--- a/Presentation1.pptx
+++ b/Presentation1.pptx
@@ -104,6 +104,11 @@
       </a:defRPr>
     </a:lvl9pPr>
   </p:defaultTextStyle>
+  <p:extLst>
+    <p:ext uri="{EFAFB233-063F-42B5-8137-9DF3F51BA10A}">
+      <p15:sldGuideLst xmlns:p15="http://schemas.microsoft.com/office/powerpoint/2012/main"/>
+    </p:ext>
+  </p:extLst>
 </p:presentation>
 </file>
 
@@ -3358,7 +3363,7 @@
         </p:nvSpPr>
         <p:spPr bwMode="auto">
           <a:xfrm>
-            <a:off x="4831914" y="13227"/>
+            <a:off x="4959734" y="648190"/>
             <a:ext cx="1476375" cy="1165223"/>
           </a:xfrm>
           <a:prstGeom prst="roundRect">
@@ -3488,7 +3493,7 @@
         </p:nvSpPr>
         <p:spPr bwMode="auto">
           <a:xfrm>
-            <a:off x="1690841" y="986913"/>
+            <a:off x="1409718" y="1942740"/>
             <a:ext cx="1323975" cy="1219200"/>
           </a:xfrm>
           <a:prstGeom prst="roundRect">
@@ -3496,711 +3501,10 @@
               <a:gd name="adj" fmla="val 16667"/>
             </a:avLst>
           </a:prstGeom>
-          <a:solidFill>
-            <a:srgbClr val="156082"/>
-          </a:solidFill>
-          <a:ln w="12700">
-            <a:solidFill>
-              <a:srgbClr val="030E13"/>
-            </a:solidFill>
-            <a:miter lim="800000"/>
+          <a:ln>
             <a:headEnd/>
             <a:tailEnd/>
           </a:ln>
-        </p:spPr>
-        <p:txBody>
-          <a:bodyPr vert="horz" wrap="square" lIns="91440" tIns="45720" rIns="91440" bIns="45720" numCol="1" anchor="ctr" anchorCtr="0" compatLnSpc="1">
-            <a:prstTxWarp prst="textNoShape">
-              <a:avLst/>
-            </a:prstTxWarp>
-          </a:bodyPr>
-          <a:lstStyle/>
-          <a:p>
-            <a:pPr marL="0" marR="0" lvl="0" indent="0" algn="ctr" defTabSz="914400" rtl="0" eaLnBrk="0" fontAlgn="base" latinLnBrk="0" hangingPunct="0">
-              <a:lnSpc>
-                <a:spcPct val="100000"/>
-              </a:lnSpc>
-              <a:spcBef>
-                <a:spcPct val="0"/>
-              </a:spcBef>
-              <a:spcAft>
-                <a:spcPct val="0"/>
-              </a:spcAft>
-              <a:buClrTx/>
-              <a:buSzTx/>
-              <a:buFontTx/>
-              <a:buNone/>
-              <a:tabLst/>
-            </a:pPr>
-            <a:r>
-              <a:rPr kumimoji="0" lang="en-US" altLang="en-US" sz="1100" b="0" i="0" u="none" strike="noStrike" cap="none" normalizeH="0" baseline="0">
-                <a:ln>
-                  <a:noFill/>
-                </a:ln>
-                <a:solidFill>
-                  <a:schemeClr val="tx1"/>
-                </a:solidFill>
-                <a:effectLst/>
-                <a:latin typeface="Calibri" panose="020F0502020204030204" pitchFamily="34" charset="0"/>
-                <a:ea typeface="Aptos" panose="020B0004020202020204" pitchFamily="34" charset="0"/>
-                <a:cs typeface="Calibri" panose="020F0502020204030204" pitchFamily="34" charset="0"/>
-              </a:rPr>
-              <a:t>GRID</a:t>
-            </a:r>
-            <a:endParaRPr kumimoji="0" lang="en-US" altLang="en-US" sz="800" b="0" i="0" u="none" strike="noStrike" cap="none" normalizeH="0" baseline="0">
-              <a:ln>
-                <a:noFill/>
-              </a:ln>
-              <a:solidFill>
-                <a:schemeClr val="tx1"/>
-              </a:solidFill>
-              <a:effectLst/>
-            </a:endParaRPr>
-          </a:p>
-          <a:p>
-            <a:pPr marL="0" marR="0" lvl="0" indent="0" algn="ctr" defTabSz="914400" rtl="0" eaLnBrk="0" fontAlgn="base" latinLnBrk="0" hangingPunct="0">
-              <a:lnSpc>
-                <a:spcPct val="100000"/>
-              </a:lnSpc>
-              <a:spcBef>
-                <a:spcPct val="0"/>
-              </a:spcBef>
-              <a:spcAft>
-                <a:spcPct val="0"/>
-              </a:spcAft>
-              <a:buClrTx/>
-              <a:buSzTx/>
-              <a:buFontTx/>
-              <a:buNone/>
-              <a:tabLst/>
-            </a:pPr>
-            <a:r>
-              <a:rPr kumimoji="0" lang="en-US" altLang="en-US" sz="1100" b="0" i="0" u="none" strike="noStrike" cap="none" normalizeH="0" baseline="0">
-                <a:ln>
-                  <a:noFill/>
-                </a:ln>
-                <a:solidFill>
-                  <a:schemeClr val="tx1"/>
-                </a:solidFill>
-                <a:effectLst/>
-                <a:latin typeface="Calibri" panose="020F0502020204030204" pitchFamily="34" charset="0"/>
-                <a:ea typeface="Aptos" panose="020B0004020202020204" pitchFamily="34" charset="0"/>
-                <a:cs typeface="Calibri" panose="020F0502020204030204" pitchFamily="34" charset="0"/>
-              </a:rPr>
-              <a:t>+37.5 kW</a:t>
-            </a:r>
-            <a:endParaRPr kumimoji="0" lang="en-US" altLang="en-US" sz="800" b="0" i="0" u="none" strike="noStrike" cap="none" normalizeH="0" baseline="0">
-              <a:ln>
-                <a:noFill/>
-              </a:ln>
-              <a:solidFill>
-                <a:schemeClr val="tx1"/>
-              </a:solidFill>
-              <a:effectLst/>
-            </a:endParaRPr>
-          </a:p>
-          <a:p>
-            <a:pPr marL="0" marR="0" lvl="0" indent="0" algn="ctr" defTabSz="914400" rtl="0" eaLnBrk="0" fontAlgn="base" latinLnBrk="0" hangingPunct="0">
-              <a:lnSpc>
-                <a:spcPct val="100000"/>
-              </a:lnSpc>
-              <a:spcBef>
-                <a:spcPct val="0"/>
-              </a:spcBef>
-              <a:spcAft>
-                <a:spcPct val="0"/>
-              </a:spcAft>
-              <a:buClrTx/>
-              <a:buSzTx/>
-              <a:buFontTx/>
-              <a:buNone/>
-              <a:tabLst/>
-            </a:pPr>
-            <a:r>
-              <a:rPr kumimoji="0" lang="en-US" altLang="en-US" sz="1100" b="0" i="0" u="none" strike="noStrike" cap="none" normalizeH="0" baseline="0">
-                <a:ln>
-                  <a:noFill/>
-                </a:ln>
-                <a:solidFill>
-                  <a:schemeClr val="tx1"/>
-                </a:solidFill>
-                <a:effectLst/>
-                <a:latin typeface="Calibri" panose="020F0502020204030204" pitchFamily="34" charset="0"/>
-                <a:ea typeface="Aptos" panose="020B0004020202020204" pitchFamily="34" charset="0"/>
-                <a:cs typeface="Calibri" panose="020F0502020204030204" pitchFamily="34" charset="0"/>
-              </a:rPr>
-              <a:t>Importing</a:t>
-            </a:r>
-            <a:endParaRPr kumimoji="0" lang="en-US" altLang="en-US" sz="1800" b="0" i="0" u="none" strike="noStrike" cap="none" normalizeH="0" baseline="0">
-              <a:ln>
-                <a:noFill/>
-              </a:ln>
-              <a:solidFill>
-                <a:schemeClr val="tx1"/>
-              </a:solidFill>
-              <a:effectLst/>
-              <a:latin typeface="Arial" panose="020B0604020202020204" pitchFamily="34" charset="0"/>
-            </a:endParaRPr>
-          </a:p>
-        </p:txBody>
-      </p:sp>
-      <p:sp>
-        <p:nvSpPr>
-          <p:cNvPr id="6" name="AutoShape 4">
-            <a:extLst>
-              <a:ext uri="{FF2B5EF4-FFF2-40B4-BE49-F238E27FC236}">
-                <a16:creationId xmlns:a16="http://schemas.microsoft.com/office/drawing/2014/main" id="{D6FF3640-7FB5-D080-3006-D0F5052F429F}"/>
-              </a:ext>
-            </a:extLst>
-          </p:cNvPr>
-          <p:cNvSpPr>
-            <a:spLocks noChangeArrowheads="1"/>
-          </p:cNvSpPr>
-          <p:nvPr/>
-        </p:nvSpPr>
-        <p:spPr bwMode="auto">
-          <a:xfrm>
-            <a:off x="4831915" y="2385998"/>
-            <a:ext cx="1476375" cy="1152525"/>
-          </a:xfrm>
-          <a:prstGeom prst="roundRect">
-            <a:avLst>
-              <a:gd name="adj" fmla="val 16667"/>
-            </a:avLst>
-          </a:prstGeom>
-          <a:solidFill>
-            <a:srgbClr val="156082"/>
-          </a:solidFill>
-          <a:ln w="12700">
-            <a:solidFill>
-              <a:srgbClr val="030E13"/>
-            </a:solidFill>
-            <a:miter lim="800000"/>
-            <a:headEnd/>
-            <a:tailEnd/>
-          </a:ln>
-        </p:spPr>
-        <p:txBody>
-          <a:bodyPr vert="horz" wrap="square" lIns="91440" tIns="45720" rIns="91440" bIns="45720" numCol="1" anchor="ctr" anchorCtr="0" compatLnSpc="1">
-            <a:prstTxWarp prst="textNoShape">
-              <a:avLst/>
-            </a:prstTxWarp>
-          </a:bodyPr>
-          <a:lstStyle/>
-          <a:p>
-            <a:pPr marL="0" marR="0" lvl="0" indent="0" algn="ctr" defTabSz="914400" rtl="0" eaLnBrk="0" fontAlgn="base" latinLnBrk="0" hangingPunct="0">
-              <a:lnSpc>
-                <a:spcPct val="100000"/>
-              </a:lnSpc>
-              <a:spcBef>
-                <a:spcPct val="0"/>
-              </a:spcBef>
-              <a:spcAft>
-                <a:spcPct val="0"/>
-              </a:spcAft>
-              <a:buClrTx/>
-              <a:buSzTx/>
-              <a:buFontTx/>
-              <a:buNone/>
-              <a:tabLst/>
-            </a:pPr>
-            <a:r>
-              <a:rPr kumimoji="0" lang="en-US" altLang="en-US" sz="1100" b="0" i="0" u="none" strike="noStrike" cap="none" normalizeH="0" baseline="0">
-                <a:ln>
-                  <a:noFill/>
-                </a:ln>
-                <a:solidFill>
-                  <a:schemeClr val="tx1"/>
-                </a:solidFill>
-                <a:effectLst/>
-                <a:latin typeface="Calibri" panose="020F0502020204030204" pitchFamily="34" charset="0"/>
-                <a:ea typeface="Aptos" panose="020B0004020202020204" pitchFamily="34" charset="0"/>
-                <a:cs typeface="Calibri" panose="020F0502020204030204" pitchFamily="34" charset="0"/>
-              </a:rPr>
-              <a:t>INVERTER</a:t>
-            </a:r>
-            <a:endParaRPr kumimoji="0" lang="en-US" altLang="en-US" sz="800" b="0" i="0" u="none" strike="noStrike" cap="none" normalizeH="0" baseline="0">
-              <a:ln>
-                <a:noFill/>
-              </a:ln>
-              <a:solidFill>
-                <a:schemeClr val="tx1"/>
-              </a:solidFill>
-              <a:effectLst/>
-            </a:endParaRPr>
-          </a:p>
-          <a:p>
-            <a:pPr marL="0" marR="0" lvl="0" indent="0" algn="ctr" defTabSz="914400" rtl="0" eaLnBrk="0" fontAlgn="base" latinLnBrk="0" hangingPunct="0">
-              <a:lnSpc>
-                <a:spcPct val="100000"/>
-              </a:lnSpc>
-              <a:spcBef>
-                <a:spcPct val="0"/>
-              </a:spcBef>
-              <a:spcAft>
-                <a:spcPct val="0"/>
-              </a:spcAft>
-              <a:buClrTx/>
-              <a:buSzTx/>
-              <a:buFontTx/>
-              <a:buNone/>
-              <a:tabLst/>
-            </a:pPr>
-            <a:r>
-              <a:rPr kumimoji="0" lang="en-US" altLang="en-US" sz="1100" b="0" i="0" u="none" strike="noStrike" cap="none" normalizeH="0" baseline="0">
-                <a:ln>
-                  <a:noFill/>
-                </a:ln>
-                <a:solidFill>
-                  <a:schemeClr val="tx1"/>
-                </a:solidFill>
-                <a:effectLst/>
-                <a:latin typeface="Calibri" panose="020F0502020204030204" pitchFamily="34" charset="0"/>
-                <a:ea typeface="Aptos" panose="020B0004020202020204" pitchFamily="34" charset="0"/>
-                <a:cs typeface="Calibri" panose="020F0502020204030204" pitchFamily="34" charset="0"/>
-              </a:rPr>
-              <a:t>DC ↔ AC</a:t>
-            </a:r>
-            <a:endParaRPr kumimoji="0" lang="en-US" altLang="en-US" sz="1800" b="0" i="0" u="none" strike="noStrike" cap="none" normalizeH="0" baseline="0">
-              <a:ln>
-                <a:noFill/>
-              </a:ln>
-              <a:solidFill>
-                <a:schemeClr val="tx1"/>
-              </a:solidFill>
-              <a:effectLst/>
-              <a:latin typeface="Arial" panose="020B0604020202020204" pitchFamily="34" charset="0"/>
-            </a:endParaRPr>
-          </a:p>
-        </p:txBody>
-      </p:sp>
-      <p:sp>
-        <p:nvSpPr>
-          <p:cNvPr id="7" name="AutoShape 7">
-            <a:extLst>
-              <a:ext uri="{FF2B5EF4-FFF2-40B4-BE49-F238E27FC236}">
-                <a16:creationId xmlns:a16="http://schemas.microsoft.com/office/drawing/2014/main" id="{E4735D3E-F627-55AF-9DF0-4B97B3DFD554}"/>
-              </a:ext>
-            </a:extLst>
-          </p:cNvPr>
-          <p:cNvSpPr>
-            <a:spLocks noChangeArrowheads="1"/>
-          </p:cNvSpPr>
-          <p:nvPr/>
-        </p:nvSpPr>
-        <p:spPr bwMode="auto">
-          <a:xfrm>
-            <a:off x="4831915" y="4020601"/>
-            <a:ext cx="1476375" cy="828675"/>
-          </a:xfrm>
-          <a:prstGeom prst="roundRect">
-            <a:avLst>
-              <a:gd name="adj" fmla="val 16667"/>
-            </a:avLst>
-          </a:prstGeom>
-          <a:solidFill>
-            <a:srgbClr val="156082"/>
-          </a:solidFill>
-          <a:ln w="12700">
-            <a:solidFill>
-              <a:srgbClr val="030E13"/>
-            </a:solidFill>
-            <a:miter lim="800000"/>
-            <a:headEnd/>
-            <a:tailEnd/>
-          </a:ln>
-        </p:spPr>
-        <p:txBody>
-          <a:bodyPr vert="horz" wrap="square" lIns="91440" tIns="45720" rIns="91440" bIns="45720" numCol="1" anchor="ctr" anchorCtr="0" compatLnSpc="1">
-            <a:prstTxWarp prst="textNoShape">
-              <a:avLst/>
-            </a:prstTxWarp>
-          </a:bodyPr>
-          <a:lstStyle/>
-          <a:p>
-            <a:pPr marL="0" marR="0" lvl="0" indent="0" algn="ctr" defTabSz="914400" rtl="0" eaLnBrk="0" fontAlgn="base" latinLnBrk="0" hangingPunct="0">
-              <a:lnSpc>
-                <a:spcPct val="100000"/>
-              </a:lnSpc>
-              <a:spcBef>
-                <a:spcPct val="0"/>
-              </a:spcBef>
-              <a:spcAft>
-                <a:spcPct val="0"/>
-              </a:spcAft>
-              <a:buClrTx/>
-              <a:buSzTx/>
-              <a:buFontTx/>
-              <a:buNone/>
-              <a:tabLst/>
-            </a:pPr>
-            <a:r>
-              <a:rPr kumimoji="0" lang="en-US" altLang="en-US" sz="1100" b="0" i="0" u="none" strike="noStrike" cap="none" normalizeH="0" baseline="0">
-                <a:ln>
-                  <a:noFill/>
-                </a:ln>
-                <a:solidFill>
-                  <a:schemeClr val="tx1"/>
-                </a:solidFill>
-                <a:effectLst/>
-                <a:latin typeface="Calibri" panose="020F0502020204030204" pitchFamily="34" charset="0"/>
-                <a:ea typeface="Aptos" panose="020B0004020202020204" pitchFamily="34" charset="0"/>
-                <a:cs typeface="Calibri" panose="020F0502020204030204" pitchFamily="34" charset="0"/>
-              </a:rPr>
-              <a:t>SOLAR</a:t>
-            </a:r>
-            <a:endParaRPr kumimoji="0" lang="en-US" altLang="en-US" sz="800" b="0" i="0" u="none" strike="noStrike" cap="none" normalizeH="0" baseline="0">
-              <a:ln>
-                <a:noFill/>
-              </a:ln>
-              <a:solidFill>
-                <a:schemeClr val="tx1"/>
-              </a:solidFill>
-              <a:effectLst/>
-            </a:endParaRPr>
-          </a:p>
-          <a:p>
-            <a:pPr marL="0" marR="0" lvl="0" indent="0" algn="ctr" defTabSz="914400" rtl="0" eaLnBrk="0" fontAlgn="base" latinLnBrk="0" hangingPunct="0">
-              <a:lnSpc>
-                <a:spcPct val="100000"/>
-              </a:lnSpc>
-              <a:spcBef>
-                <a:spcPct val="0"/>
-              </a:spcBef>
-              <a:spcAft>
-                <a:spcPct val="0"/>
-              </a:spcAft>
-              <a:buClrTx/>
-              <a:buSzTx/>
-              <a:buFontTx/>
-              <a:buNone/>
-              <a:tabLst/>
-            </a:pPr>
-            <a:r>
-              <a:rPr kumimoji="0" lang="en-US" altLang="en-US" sz="1100" b="0" i="0" u="none" strike="noStrike" cap="none" normalizeH="0" baseline="0">
-                <a:ln>
-                  <a:noFill/>
-                </a:ln>
-                <a:solidFill>
-                  <a:schemeClr val="tx1"/>
-                </a:solidFill>
-                <a:effectLst/>
-                <a:latin typeface="Calibri" panose="020F0502020204030204" pitchFamily="34" charset="0"/>
-                <a:ea typeface="Aptos" panose="020B0004020202020204" pitchFamily="34" charset="0"/>
-                <a:cs typeface="Calibri" panose="020F0502020204030204" pitchFamily="34" charset="0"/>
-              </a:rPr>
-              <a:t>7.3 kW</a:t>
-            </a:r>
-            <a:endParaRPr kumimoji="0" lang="en-US" altLang="en-US" sz="1800" b="0" i="0" u="none" strike="noStrike" cap="none" normalizeH="0" baseline="0">
-              <a:ln>
-                <a:noFill/>
-              </a:ln>
-              <a:solidFill>
-                <a:schemeClr val="tx1"/>
-              </a:solidFill>
-              <a:effectLst/>
-              <a:latin typeface="Arial" panose="020B0604020202020204" pitchFamily="34" charset="0"/>
-            </a:endParaRPr>
-          </a:p>
-        </p:txBody>
-      </p:sp>
-      <p:sp>
-        <p:nvSpPr>
-          <p:cNvPr id="8" name="AutoShape 3">
-            <a:extLst>
-              <a:ext uri="{FF2B5EF4-FFF2-40B4-BE49-F238E27FC236}">
-                <a16:creationId xmlns:a16="http://schemas.microsoft.com/office/drawing/2014/main" id="{EDA91356-BFF9-59CA-9B12-3884F975B4DD}"/>
-              </a:ext>
-            </a:extLst>
-          </p:cNvPr>
-          <p:cNvSpPr>
-            <a:spLocks noChangeArrowheads="1"/>
-          </p:cNvSpPr>
-          <p:nvPr/>
-        </p:nvSpPr>
-        <p:spPr bwMode="auto">
-          <a:xfrm>
-            <a:off x="6830500" y="2385998"/>
-            <a:ext cx="1638300" cy="1152525"/>
-          </a:xfrm>
-          <a:prstGeom prst="roundRect">
-            <a:avLst>
-              <a:gd name="adj" fmla="val 16667"/>
-            </a:avLst>
-          </a:prstGeom>
-          <a:solidFill>
-            <a:srgbClr val="156082"/>
-          </a:solidFill>
-          <a:ln w="12700">
-            <a:solidFill>
-              <a:srgbClr val="030E13"/>
-            </a:solidFill>
-            <a:miter lim="800000"/>
-            <a:headEnd/>
-            <a:tailEnd/>
-          </a:ln>
-        </p:spPr>
-        <p:txBody>
-          <a:bodyPr vert="horz" wrap="square" lIns="91440" tIns="45720" rIns="91440" bIns="45720" numCol="1" anchor="ctr" anchorCtr="0" compatLnSpc="1">
-            <a:prstTxWarp prst="textNoShape">
-              <a:avLst/>
-            </a:prstTxWarp>
-          </a:bodyPr>
-          <a:lstStyle/>
-          <a:p>
-            <a:pPr marL="0" marR="0" lvl="0" indent="0" algn="ctr" defTabSz="914400" rtl="0" eaLnBrk="0" fontAlgn="base" latinLnBrk="0" hangingPunct="0">
-              <a:lnSpc>
-                <a:spcPct val="100000"/>
-              </a:lnSpc>
-              <a:spcBef>
-                <a:spcPct val="0"/>
-              </a:spcBef>
-              <a:spcAft>
-                <a:spcPct val="0"/>
-              </a:spcAft>
-              <a:buClrTx/>
-              <a:buSzTx/>
-              <a:buFontTx/>
-              <a:buNone/>
-              <a:tabLst/>
-            </a:pPr>
-            <a:r>
-              <a:rPr kumimoji="0" lang="en-US" altLang="en-US" sz="1100" b="0" i="0" u="none" strike="noStrike" cap="none" normalizeH="0" baseline="0">
-                <a:ln>
-                  <a:noFill/>
-                </a:ln>
-                <a:solidFill>
-                  <a:schemeClr val="tx1"/>
-                </a:solidFill>
-                <a:effectLst/>
-                <a:latin typeface="Calibri" panose="020F0502020204030204" pitchFamily="34" charset="0"/>
-                <a:ea typeface="Aptos" panose="020B0004020202020204" pitchFamily="34" charset="0"/>
-                <a:cs typeface="Calibri" panose="020F0502020204030204" pitchFamily="34" charset="0"/>
-              </a:rPr>
-              <a:t>BATTERY</a:t>
-            </a:r>
-            <a:endParaRPr kumimoji="0" lang="en-US" altLang="en-US" sz="800" b="0" i="0" u="none" strike="noStrike" cap="none" normalizeH="0" baseline="0">
-              <a:ln>
-                <a:noFill/>
-              </a:ln>
-              <a:solidFill>
-                <a:schemeClr val="tx1"/>
-              </a:solidFill>
-              <a:effectLst/>
-            </a:endParaRPr>
-          </a:p>
-          <a:p>
-            <a:pPr marL="0" marR="0" lvl="0" indent="0" algn="ctr" defTabSz="914400" rtl="0" eaLnBrk="0" fontAlgn="base" latinLnBrk="0" hangingPunct="0">
-              <a:lnSpc>
-                <a:spcPct val="100000"/>
-              </a:lnSpc>
-              <a:spcBef>
-                <a:spcPct val="0"/>
-              </a:spcBef>
-              <a:spcAft>
-                <a:spcPct val="0"/>
-              </a:spcAft>
-              <a:buClrTx/>
-              <a:buSzTx/>
-              <a:buFontTx/>
-              <a:buNone/>
-              <a:tabLst/>
-            </a:pPr>
-            <a:r>
-              <a:rPr kumimoji="0" lang="en-US" altLang="en-US" sz="1100" b="0" i="0" u="none" strike="noStrike" cap="none" normalizeH="0" baseline="0">
-                <a:ln>
-                  <a:noFill/>
-                </a:ln>
-                <a:solidFill>
-                  <a:schemeClr val="tx1"/>
-                </a:solidFill>
-                <a:effectLst/>
-                <a:latin typeface="Calibri" panose="020F0502020204030204" pitchFamily="34" charset="0"/>
-                <a:ea typeface="Aptos" panose="020B0004020202020204" pitchFamily="34" charset="0"/>
-                <a:cs typeface="Calibri" panose="020F0502020204030204" pitchFamily="34" charset="0"/>
-              </a:rPr>
-              <a:t>-20.2 kW</a:t>
-            </a:r>
-            <a:endParaRPr kumimoji="0" lang="en-US" altLang="en-US" sz="800" b="0" i="0" u="none" strike="noStrike" cap="none" normalizeH="0" baseline="0">
-              <a:ln>
-                <a:noFill/>
-              </a:ln>
-              <a:solidFill>
-                <a:schemeClr val="tx1"/>
-              </a:solidFill>
-              <a:effectLst/>
-            </a:endParaRPr>
-          </a:p>
-          <a:p>
-            <a:pPr marL="0" marR="0" lvl="0" indent="0" algn="ctr" defTabSz="914400" rtl="0" eaLnBrk="0" fontAlgn="base" latinLnBrk="0" hangingPunct="0">
-              <a:lnSpc>
-                <a:spcPct val="100000"/>
-              </a:lnSpc>
-              <a:spcBef>
-                <a:spcPct val="0"/>
-              </a:spcBef>
-              <a:spcAft>
-                <a:spcPct val="0"/>
-              </a:spcAft>
-              <a:buClrTx/>
-              <a:buSzTx/>
-              <a:buFontTx/>
-              <a:buNone/>
-              <a:tabLst/>
-            </a:pPr>
-            <a:r>
-              <a:rPr kumimoji="0" lang="en-US" altLang="en-US" sz="1100" b="0" i="0" u="none" strike="noStrike" cap="none" normalizeH="0" baseline="0">
-                <a:ln>
-                  <a:noFill/>
-                </a:ln>
-                <a:solidFill>
-                  <a:schemeClr val="tx1"/>
-                </a:solidFill>
-                <a:effectLst/>
-                <a:latin typeface="Calibri" panose="020F0502020204030204" pitchFamily="34" charset="0"/>
-                <a:ea typeface="Aptos" panose="020B0004020202020204" pitchFamily="34" charset="0"/>
-                <a:cs typeface="Calibri" panose="020F0502020204030204" pitchFamily="34" charset="0"/>
-              </a:rPr>
-              <a:t>Charging</a:t>
-            </a:r>
-            <a:br>
-              <a:rPr kumimoji="0" lang="en-US" altLang="en-US" sz="1100" b="0" i="0" u="none" strike="noStrike" cap="none" normalizeH="0" baseline="0">
-                <a:ln>
-                  <a:noFill/>
-                </a:ln>
-                <a:solidFill>
-                  <a:schemeClr val="tx1"/>
-                </a:solidFill>
-                <a:effectLst/>
-                <a:latin typeface="Calibri" panose="020F0502020204030204" pitchFamily="34" charset="0"/>
-                <a:ea typeface="Aptos" panose="020B0004020202020204" pitchFamily="34" charset="0"/>
-                <a:cs typeface="Calibri" panose="020F0502020204030204" pitchFamily="34" charset="0"/>
-              </a:rPr>
-            </a:br>
-            <a:r>
-              <a:rPr kumimoji="0" lang="en-US" altLang="en-US" sz="1100" b="0" i="0" u="none" strike="noStrike" cap="none" normalizeH="0" baseline="0">
-                <a:ln>
-                  <a:noFill/>
-                </a:ln>
-                <a:solidFill>
-                  <a:schemeClr val="tx1"/>
-                </a:solidFill>
-                <a:effectLst/>
-                <a:latin typeface="Calibri" panose="020F0502020204030204" pitchFamily="34" charset="0"/>
-                <a:ea typeface="Aptos" panose="020B0004020202020204" pitchFamily="34" charset="0"/>
-                <a:cs typeface="Calibri" panose="020F0502020204030204" pitchFamily="34" charset="0"/>
-              </a:rPr>
-              <a:t>57% SOC  45</a:t>
-            </a:r>
-            <a:r>
-              <a:rPr kumimoji="0" lang="en-US" altLang="en-US" sz="1100" b="0" i="0" u="none" strike="noStrike" cap="none" normalizeH="0" baseline="30000">
-                <a:ln>
-                  <a:noFill/>
-                </a:ln>
-                <a:solidFill>
-                  <a:schemeClr val="tx1"/>
-                </a:solidFill>
-                <a:effectLst/>
-                <a:latin typeface="Calibri" panose="020F0502020204030204" pitchFamily="34" charset="0"/>
-                <a:ea typeface="Aptos" panose="020B0004020202020204" pitchFamily="34" charset="0"/>
-                <a:cs typeface="Calibri" panose="020F0502020204030204" pitchFamily="34" charset="0"/>
-              </a:rPr>
-              <a:t>o</a:t>
-            </a:r>
-            <a:r>
-              <a:rPr kumimoji="0" lang="en-US" altLang="en-US" sz="1100" b="0" i="0" u="none" strike="noStrike" cap="none" normalizeH="0" baseline="0">
-                <a:ln>
-                  <a:noFill/>
-                </a:ln>
-                <a:solidFill>
-                  <a:schemeClr val="tx1"/>
-                </a:solidFill>
-                <a:effectLst/>
-                <a:latin typeface="Calibri" panose="020F0502020204030204" pitchFamily="34" charset="0"/>
-                <a:ea typeface="Aptos" panose="020B0004020202020204" pitchFamily="34" charset="0"/>
-                <a:cs typeface="Calibri" panose="020F0502020204030204" pitchFamily="34" charset="0"/>
-              </a:rPr>
-              <a:t>C</a:t>
-            </a:r>
-            <a:endParaRPr kumimoji="0" lang="en-US" altLang="en-US" sz="1800" b="0" i="0" u="none" strike="noStrike" cap="none" normalizeH="0" baseline="0">
-              <a:ln>
-                <a:noFill/>
-              </a:ln>
-              <a:solidFill>
-                <a:schemeClr val="tx1"/>
-              </a:solidFill>
-              <a:effectLst/>
-              <a:latin typeface="Arial" panose="020B0604020202020204" pitchFamily="34" charset="0"/>
-            </a:endParaRPr>
-          </a:p>
-        </p:txBody>
-      </p:sp>
-      <p:cxnSp>
-        <p:nvCxnSpPr>
-          <p:cNvPr id="9" name="Connector: Elbow 8">
-            <a:extLst>
-              <a:ext uri="{FF2B5EF4-FFF2-40B4-BE49-F238E27FC236}">
-                <a16:creationId xmlns:a16="http://schemas.microsoft.com/office/drawing/2014/main" id="{4F4C8A0C-F437-81DD-40A1-F9BA4652A1BD}"/>
-              </a:ext>
-            </a:extLst>
-          </p:cNvPr>
-          <p:cNvCxnSpPr>
-            <a:cxnSpLocks/>
-            <a:stCxn id="5" idx="3"/>
-            <a:endCxn id="10" idx="2"/>
-          </p:cNvCxnSpPr>
-          <p:nvPr/>
-        </p:nvCxnSpPr>
-        <p:spPr>
-          <a:xfrm>
-            <a:off x="3014816" y="1596513"/>
-            <a:ext cx="2083800" cy="185711"/>
-          </a:xfrm>
-          <a:prstGeom prst="bentConnector3">
-            <a:avLst>
-              <a:gd name="adj1" fmla="val 50000"/>
-            </a:avLst>
-          </a:prstGeom>
-          <a:ln>
-            <a:headEnd type="triangle"/>
-            <a:tailEnd type="triangle"/>
-          </a:ln>
-        </p:spPr>
-        <p:style>
-          <a:lnRef idx="1">
-            <a:schemeClr val="accent1"/>
-          </a:lnRef>
-          <a:fillRef idx="0">
-            <a:schemeClr val="accent1"/>
-          </a:fillRef>
-          <a:effectRef idx="0">
-            <a:schemeClr val="accent1"/>
-          </a:effectRef>
-          <a:fontRef idx="minor">
-            <a:schemeClr val="tx1"/>
-          </a:fontRef>
-        </p:style>
-      </p:cxnSp>
-      <p:sp>
-        <p:nvSpPr>
-          <p:cNvPr id="10" name="Oval 9">
-            <a:extLst>
-              <a:ext uri="{FF2B5EF4-FFF2-40B4-BE49-F238E27FC236}">
-                <a16:creationId xmlns:a16="http://schemas.microsoft.com/office/drawing/2014/main" id="{F43033FB-0AFF-1DBD-5B37-E13B139B7E98}"/>
-              </a:ext>
-            </a:extLst>
-          </p:cNvPr>
-          <p:cNvSpPr/>
-          <p:nvPr/>
-        </p:nvSpPr>
-        <p:spPr>
-          <a:xfrm>
-            <a:off x="5098616" y="1504947"/>
-            <a:ext cx="942976" cy="554553"/>
-          </a:xfrm>
-          <a:prstGeom prst="ellipse">
-            <a:avLst/>
-          </a:prstGeom>
         </p:spPr>
         <p:style>
           <a:lnRef idx="2">
@@ -4219,32 +3523,650 @@
           </a:fontRef>
         </p:style>
         <p:txBody>
-          <a:bodyPr rot="0" spcFirstLastPara="0" vert="horz" wrap="square" lIns="91440" tIns="45720" rIns="91440" bIns="45720" numCol="1" spcCol="0" rtlCol="0" fromWordArt="0" anchor="ctr" anchorCtr="0" forceAA="0" compatLnSpc="1">
+          <a:bodyPr vert="horz" wrap="square" lIns="91440" tIns="45720" rIns="91440" bIns="45720" numCol="1" anchor="ctr" anchorCtr="0" compatLnSpc="1">
             <a:prstTxWarp prst="textNoShape">
               <a:avLst/>
             </a:prstTxWarp>
-            <a:noAutofit/>
           </a:bodyPr>
           <a:lstStyle/>
           <a:p>
-            <a:pPr algn="ctr">
+            <a:pPr marL="0" marR="0" lvl="0" indent="0" algn="ctr" defTabSz="914400" rtl="0" eaLnBrk="0" fontAlgn="base" latinLnBrk="0" hangingPunct="0">
               <a:lnSpc>
-                <a:spcPct val="107000"/>
+                <a:spcPct val="100000"/>
               </a:lnSpc>
+              <a:spcBef>
+                <a:spcPct val="0"/>
+              </a:spcBef>
               <a:spcAft>
-                <a:spcPts val="800"/>
+                <a:spcPct val="0"/>
               </a:spcAft>
-              <a:buNone/>
+              <a:buClrTx/>
+              <a:buSzTx/>
+              <a:buFontTx/>
+              <a:buNone/>
+              <a:tabLst/>
             </a:pPr>
             <a:r>
-              <a:rPr lang="en-GB" sz="1100" kern="100" dirty="0">
+              <a:rPr kumimoji="0" lang="en-US" altLang="en-US" sz="1100" b="0" i="0" u="none" strike="noStrike" cap="none" normalizeH="0" baseline="0">
+                <a:ln>
+                  <a:noFill/>
+                </a:ln>
+                <a:solidFill>
+                  <a:schemeClr val="tx1"/>
+                </a:solidFill>
                 <a:effectLst/>
                 <a:latin typeface="Calibri" panose="020F0502020204030204" pitchFamily="34" charset="0"/>
                 <a:ea typeface="Aptos" panose="020B0004020202020204" pitchFamily="34" charset="0"/>
-                <a:cs typeface="Times New Roman" panose="02020603050405020304" pitchFamily="18" charset="0"/>
+                <a:cs typeface="Calibri" panose="020F0502020204030204" pitchFamily="34" charset="0"/>
               </a:rPr>
-              <a:t> Grid Meter</a:t>
-            </a:r>
+              <a:t>GRID</a:t>
+            </a:r>
+            <a:endParaRPr kumimoji="0" lang="en-US" altLang="en-US" sz="800" b="0" i="0" u="none" strike="noStrike" cap="none" normalizeH="0" baseline="0">
+              <a:ln>
+                <a:noFill/>
+              </a:ln>
+              <a:solidFill>
+                <a:schemeClr val="tx1"/>
+              </a:solidFill>
+              <a:effectLst/>
+            </a:endParaRPr>
+          </a:p>
+          <a:p>
+            <a:pPr marL="0" marR="0" lvl="0" indent="0" algn="ctr" defTabSz="914400" rtl="0" eaLnBrk="0" fontAlgn="base" latinLnBrk="0" hangingPunct="0">
+              <a:lnSpc>
+                <a:spcPct val="100000"/>
+              </a:lnSpc>
+              <a:spcBef>
+                <a:spcPct val="0"/>
+              </a:spcBef>
+              <a:spcAft>
+                <a:spcPct val="0"/>
+              </a:spcAft>
+              <a:buClrTx/>
+              <a:buSzTx/>
+              <a:buFontTx/>
+              <a:buNone/>
+              <a:tabLst/>
+            </a:pPr>
+            <a:r>
+              <a:rPr kumimoji="0" lang="en-US" altLang="en-US" sz="1100" b="0" i="0" u="none" strike="noStrike" cap="none" normalizeH="0" baseline="0">
+                <a:ln>
+                  <a:noFill/>
+                </a:ln>
+                <a:solidFill>
+                  <a:schemeClr val="tx1"/>
+                </a:solidFill>
+                <a:effectLst/>
+                <a:latin typeface="Calibri" panose="020F0502020204030204" pitchFamily="34" charset="0"/>
+                <a:ea typeface="Aptos" panose="020B0004020202020204" pitchFamily="34" charset="0"/>
+                <a:cs typeface="Calibri" panose="020F0502020204030204" pitchFamily="34" charset="0"/>
+              </a:rPr>
+              <a:t>+37.5 kW</a:t>
+            </a:r>
+            <a:endParaRPr kumimoji="0" lang="en-US" altLang="en-US" sz="800" b="0" i="0" u="none" strike="noStrike" cap="none" normalizeH="0" baseline="0">
+              <a:ln>
+                <a:noFill/>
+              </a:ln>
+              <a:solidFill>
+                <a:schemeClr val="tx1"/>
+              </a:solidFill>
+              <a:effectLst/>
+            </a:endParaRPr>
+          </a:p>
+          <a:p>
+            <a:pPr marL="0" marR="0" lvl="0" indent="0" algn="ctr" defTabSz="914400" rtl="0" eaLnBrk="0" fontAlgn="base" latinLnBrk="0" hangingPunct="0">
+              <a:lnSpc>
+                <a:spcPct val="100000"/>
+              </a:lnSpc>
+              <a:spcBef>
+                <a:spcPct val="0"/>
+              </a:spcBef>
+              <a:spcAft>
+                <a:spcPct val="0"/>
+              </a:spcAft>
+              <a:buClrTx/>
+              <a:buSzTx/>
+              <a:buFontTx/>
+              <a:buNone/>
+              <a:tabLst/>
+            </a:pPr>
+            <a:r>
+              <a:rPr kumimoji="0" lang="en-US" altLang="en-US" sz="1100" b="0" i="0" u="none" strike="noStrike" cap="none" normalizeH="0" baseline="0">
+                <a:ln>
+                  <a:noFill/>
+                </a:ln>
+                <a:solidFill>
+                  <a:schemeClr val="tx1"/>
+                </a:solidFill>
+                <a:effectLst/>
+                <a:latin typeface="Calibri" panose="020F0502020204030204" pitchFamily="34" charset="0"/>
+                <a:ea typeface="Aptos" panose="020B0004020202020204" pitchFamily="34" charset="0"/>
+                <a:cs typeface="Calibri" panose="020F0502020204030204" pitchFamily="34" charset="0"/>
+              </a:rPr>
+              <a:t>Importing</a:t>
+            </a:r>
+            <a:endParaRPr kumimoji="0" lang="en-US" altLang="en-US" sz="1800" b="0" i="0" u="none" strike="noStrike" cap="none" normalizeH="0" baseline="0">
+              <a:ln>
+                <a:noFill/>
+              </a:ln>
+              <a:solidFill>
+                <a:schemeClr val="tx1"/>
+              </a:solidFill>
+              <a:effectLst/>
+              <a:latin typeface="Arial" panose="020B0604020202020204" pitchFamily="34" charset="0"/>
+            </a:endParaRPr>
+          </a:p>
+        </p:txBody>
+      </p:sp>
+      <p:sp>
+        <p:nvSpPr>
+          <p:cNvPr id="6" name="AutoShape 4">
+            <a:extLst>
+              <a:ext uri="{FF2B5EF4-FFF2-40B4-BE49-F238E27FC236}">
+                <a16:creationId xmlns:a16="http://schemas.microsoft.com/office/drawing/2014/main" id="{D6FF3640-7FB5-D080-3006-D0F5052F429F}"/>
+              </a:ext>
+            </a:extLst>
+          </p:cNvPr>
+          <p:cNvSpPr>
+            <a:spLocks noChangeArrowheads="1"/>
+          </p:cNvSpPr>
+          <p:nvPr/>
+        </p:nvSpPr>
+        <p:spPr bwMode="auto">
+          <a:xfrm>
+            <a:off x="6332103" y="1976078"/>
+            <a:ext cx="1476375" cy="1152525"/>
+          </a:xfrm>
+          <a:prstGeom prst="roundRect">
+            <a:avLst>
+              <a:gd name="adj" fmla="val 16667"/>
+            </a:avLst>
+          </a:prstGeom>
+          <a:ln>
+            <a:headEnd/>
+            <a:tailEnd/>
+          </a:ln>
+        </p:spPr>
+        <p:style>
+          <a:lnRef idx="1">
+            <a:schemeClr val="dk1"/>
+          </a:lnRef>
+          <a:fillRef idx="2">
+            <a:schemeClr val="dk1"/>
+          </a:fillRef>
+          <a:effectRef idx="1">
+            <a:schemeClr val="dk1"/>
+          </a:effectRef>
+          <a:fontRef idx="minor">
+            <a:schemeClr val="dk1"/>
+          </a:fontRef>
+        </p:style>
+        <p:txBody>
+          <a:bodyPr vert="horz" wrap="square" lIns="91440" tIns="45720" rIns="91440" bIns="45720" numCol="1" anchor="ctr" anchorCtr="0" compatLnSpc="1">
+            <a:prstTxWarp prst="textNoShape">
+              <a:avLst/>
+            </a:prstTxWarp>
+          </a:bodyPr>
+          <a:lstStyle/>
+          <a:p>
+            <a:pPr marL="0" marR="0" lvl="0" indent="0" algn="ctr" defTabSz="914400" rtl="0" eaLnBrk="0" fontAlgn="base" latinLnBrk="0" hangingPunct="0">
+              <a:lnSpc>
+                <a:spcPct val="100000"/>
+              </a:lnSpc>
+              <a:spcBef>
+                <a:spcPct val="0"/>
+              </a:spcBef>
+              <a:spcAft>
+                <a:spcPct val="0"/>
+              </a:spcAft>
+              <a:buClrTx/>
+              <a:buSzTx/>
+              <a:buFontTx/>
+              <a:buNone/>
+              <a:tabLst/>
+            </a:pPr>
+            <a:r>
+              <a:rPr kumimoji="0" lang="en-US" altLang="en-US" sz="1100" b="0" i="0" u="none" strike="noStrike" cap="none" normalizeH="0" baseline="0">
+                <a:ln>
+                  <a:noFill/>
+                </a:ln>
+                <a:solidFill>
+                  <a:schemeClr val="tx1"/>
+                </a:solidFill>
+                <a:effectLst/>
+                <a:latin typeface="Calibri" panose="020F0502020204030204" pitchFamily="34" charset="0"/>
+                <a:ea typeface="Aptos" panose="020B0004020202020204" pitchFamily="34" charset="0"/>
+                <a:cs typeface="Calibri" panose="020F0502020204030204" pitchFamily="34" charset="0"/>
+              </a:rPr>
+              <a:t>INVERTER</a:t>
+            </a:r>
+            <a:endParaRPr kumimoji="0" lang="en-US" altLang="en-US" sz="800" b="0" i="0" u="none" strike="noStrike" cap="none" normalizeH="0" baseline="0">
+              <a:ln>
+                <a:noFill/>
+              </a:ln>
+              <a:solidFill>
+                <a:schemeClr val="tx1"/>
+              </a:solidFill>
+              <a:effectLst/>
+            </a:endParaRPr>
+          </a:p>
+          <a:p>
+            <a:pPr marL="0" marR="0" lvl="0" indent="0" algn="ctr" defTabSz="914400" rtl="0" eaLnBrk="0" fontAlgn="base" latinLnBrk="0" hangingPunct="0">
+              <a:lnSpc>
+                <a:spcPct val="100000"/>
+              </a:lnSpc>
+              <a:spcBef>
+                <a:spcPct val="0"/>
+              </a:spcBef>
+              <a:spcAft>
+                <a:spcPct val="0"/>
+              </a:spcAft>
+              <a:buClrTx/>
+              <a:buSzTx/>
+              <a:buFontTx/>
+              <a:buNone/>
+              <a:tabLst/>
+            </a:pPr>
+            <a:r>
+              <a:rPr kumimoji="0" lang="en-US" altLang="en-US" sz="1100" b="0" i="0" u="none" strike="noStrike" cap="none" normalizeH="0" baseline="0">
+                <a:ln>
+                  <a:noFill/>
+                </a:ln>
+                <a:solidFill>
+                  <a:schemeClr val="tx1"/>
+                </a:solidFill>
+                <a:effectLst/>
+                <a:latin typeface="Calibri" panose="020F0502020204030204" pitchFamily="34" charset="0"/>
+                <a:ea typeface="Aptos" panose="020B0004020202020204" pitchFamily="34" charset="0"/>
+                <a:cs typeface="Calibri" panose="020F0502020204030204" pitchFamily="34" charset="0"/>
+              </a:rPr>
+              <a:t>DC ↔ AC</a:t>
+            </a:r>
+            <a:endParaRPr kumimoji="0" lang="en-US" altLang="en-US" sz="1800" b="0" i="0" u="none" strike="noStrike" cap="none" normalizeH="0" baseline="0">
+              <a:ln>
+                <a:noFill/>
+              </a:ln>
+              <a:solidFill>
+                <a:schemeClr val="tx1"/>
+              </a:solidFill>
+              <a:effectLst/>
+              <a:latin typeface="Arial" panose="020B0604020202020204" pitchFamily="34" charset="0"/>
+            </a:endParaRPr>
+          </a:p>
+        </p:txBody>
+      </p:sp>
+      <p:sp>
+        <p:nvSpPr>
+          <p:cNvPr id="7" name="AutoShape 7">
+            <a:extLst>
+              <a:ext uri="{FF2B5EF4-FFF2-40B4-BE49-F238E27FC236}">
+                <a16:creationId xmlns:a16="http://schemas.microsoft.com/office/drawing/2014/main" id="{E4735D3E-F627-55AF-9DF0-4B97B3DFD554}"/>
+              </a:ext>
+            </a:extLst>
+          </p:cNvPr>
+          <p:cNvSpPr>
+            <a:spLocks noChangeArrowheads="1"/>
+          </p:cNvSpPr>
+          <p:nvPr/>
+        </p:nvSpPr>
+        <p:spPr bwMode="auto">
+          <a:xfrm>
+            <a:off x="6332103" y="3985315"/>
+            <a:ext cx="1476375" cy="828675"/>
+          </a:xfrm>
+          <a:prstGeom prst="roundRect">
+            <a:avLst>
+              <a:gd name="adj" fmla="val 16667"/>
+            </a:avLst>
+          </a:prstGeom>
+          <a:ln>
+            <a:headEnd/>
+            <a:tailEnd/>
+          </a:ln>
+        </p:spPr>
+        <p:style>
+          <a:lnRef idx="1">
+            <a:schemeClr val="accent6"/>
+          </a:lnRef>
+          <a:fillRef idx="2">
+            <a:schemeClr val="accent6"/>
+          </a:fillRef>
+          <a:effectRef idx="1">
+            <a:schemeClr val="accent6"/>
+          </a:effectRef>
+          <a:fontRef idx="minor">
+            <a:schemeClr val="dk1"/>
+          </a:fontRef>
+        </p:style>
+        <p:txBody>
+          <a:bodyPr vert="horz" wrap="square" lIns="91440" tIns="45720" rIns="91440" bIns="45720" numCol="1" anchor="ctr" anchorCtr="0" compatLnSpc="1">
+            <a:prstTxWarp prst="textNoShape">
+              <a:avLst/>
+            </a:prstTxWarp>
+          </a:bodyPr>
+          <a:lstStyle/>
+          <a:p>
+            <a:pPr marL="0" marR="0" lvl="0" indent="0" algn="ctr" defTabSz="914400" rtl="0" eaLnBrk="0" fontAlgn="base" latinLnBrk="0" hangingPunct="0">
+              <a:lnSpc>
+                <a:spcPct val="100000"/>
+              </a:lnSpc>
+              <a:spcBef>
+                <a:spcPct val="0"/>
+              </a:spcBef>
+              <a:spcAft>
+                <a:spcPct val="0"/>
+              </a:spcAft>
+              <a:buClrTx/>
+              <a:buSzTx/>
+              <a:buFontTx/>
+              <a:buNone/>
+              <a:tabLst/>
+            </a:pPr>
+            <a:r>
+              <a:rPr kumimoji="0" lang="en-US" altLang="en-US" sz="1100" b="0" i="0" u="none" strike="noStrike" cap="none" normalizeH="0" baseline="0">
+                <a:ln>
+                  <a:noFill/>
+                </a:ln>
+                <a:solidFill>
+                  <a:schemeClr val="tx1"/>
+                </a:solidFill>
+                <a:effectLst/>
+                <a:latin typeface="Calibri" panose="020F0502020204030204" pitchFamily="34" charset="0"/>
+                <a:ea typeface="Aptos" panose="020B0004020202020204" pitchFamily="34" charset="0"/>
+                <a:cs typeface="Calibri" panose="020F0502020204030204" pitchFamily="34" charset="0"/>
+              </a:rPr>
+              <a:t>SOLAR</a:t>
+            </a:r>
+            <a:endParaRPr kumimoji="0" lang="en-US" altLang="en-US" sz="800" b="0" i="0" u="none" strike="noStrike" cap="none" normalizeH="0" baseline="0">
+              <a:ln>
+                <a:noFill/>
+              </a:ln>
+              <a:solidFill>
+                <a:schemeClr val="tx1"/>
+              </a:solidFill>
+              <a:effectLst/>
+            </a:endParaRPr>
+          </a:p>
+          <a:p>
+            <a:pPr marL="0" marR="0" lvl="0" indent="0" algn="ctr" defTabSz="914400" rtl="0" eaLnBrk="0" fontAlgn="base" latinLnBrk="0" hangingPunct="0">
+              <a:lnSpc>
+                <a:spcPct val="100000"/>
+              </a:lnSpc>
+              <a:spcBef>
+                <a:spcPct val="0"/>
+              </a:spcBef>
+              <a:spcAft>
+                <a:spcPct val="0"/>
+              </a:spcAft>
+              <a:buClrTx/>
+              <a:buSzTx/>
+              <a:buFontTx/>
+              <a:buNone/>
+              <a:tabLst/>
+            </a:pPr>
+            <a:r>
+              <a:rPr kumimoji="0" lang="en-US" altLang="en-US" sz="1100" b="0" i="0" u="none" strike="noStrike" cap="none" normalizeH="0" baseline="0">
+                <a:ln>
+                  <a:noFill/>
+                </a:ln>
+                <a:solidFill>
+                  <a:schemeClr val="tx1"/>
+                </a:solidFill>
+                <a:effectLst/>
+                <a:latin typeface="Calibri" panose="020F0502020204030204" pitchFamily="34" charset="0"/>
+                <a:ea typeface="Aptos" panose="020B0004020202020204" pitchFamily="34" charset="0"/>
+                <a:cs typeface="Calibri" panose="020F0502020204030204" pitchFamily="34" charset="0"/>
+              </a:rPr>
+              <a:t>7.3 kW</a:t>
+            </a:r>
+            <a:endParaRPr kumimoji="0" lang="en-US" altLang="en-US" sz="1800" b="0" i="0" u="none" strike="noStrike" cap="none" normalizeH="0" baseline="0">
+              <a:ln>
+                <a:noFill/>
+              </a:ln>
+              <a:solidFill>
+                <a:schemeClr val="tx1"/>
+              </a:solidFill>
+              <a:effectLst/>
+              <a:latin typeface="Arial" panose="020B0604020202020204" pitchFamily="34" charset="0"/>
+            </a:endParaRPr>
+          </a:p>
+        </p:txBody>
+      </p:sp>
+      <p:sp>
+        <p:nvSpPr>
+          <p:cNvPr id="8" name="AutoShape 3">
+            <a:extLst>
+              <a:ext uri="{FF2B5EF4-FFF2-40B4-BE49-F238E27FC236}">
+                <a16:creationId xmlns:a16="http://schemas.microsoft.com/office/drawing/2014/main" id="{EDA91356-BFF9-59CA-9B12-3884F975B4DD}"/>
+              </a:ext>
+            </a:extLst>
+          </p:cNvPr>
+          <p:cNvSpPr>
+            <a:spLocks noChangeArrowheads="1"/>
+          </p:cNvSpPr>
+          <p:nvPr/>
+        </p:nvSpPr>
+        <p:spPr bwMode="auto">
+          <a:xfrm>
+            <a:off x="8869495" y="1976079"/>
+            <a:ext cx="1638300" cy="1152525"/>
+          </a:xfrm>
+          <a:prstGeom prst="roundRect">
+            <a:avLst>
+              <a:gd name="adj" fmla="val 16667"/>
+            </a:avLst>
+          </a:prstGeom>
+          <a:ln>
+            <a:headEnd/>
+            <a:tailEnd/>
+          </a:ln>
+        </p:spPr>
+        <p:style>
+          <a:lnRef idx="1">
+            <a:schemeClr val="accent3"/>
+          </a:lnRef>
+          <a:fillRef idx="2">
+            <a:schemeClr val="accent3"/>
+          </a:fillRef>
+          <a:effectRef idx="1">
+            <a:schemeClr val="accent3"/>
+          </a:effectRef>
+          <a:fontRef idx="minor">
+            <a:schemeClr val="dk1"/>
+          </a:fontRef>
+        </p:style>
+        <p:txBody>
+          <a:bodyPr vert="horz" wrap="square" lIns="91440" tIns="45720" rIns="91440" bIns="45720" numCol="1" anchor="ctr" anchorCtr="0" compatLnSpc="1">
+            <a:prstTxWarp prst="textNoShape">
+              <a:avLst/>
+            </a:prstTxWarp>
+          </a:bodyPr>
+          <a:lstStyle/>
+          <a:p>
+            <a:pPr marL="0" marR="0" lvl="0" indent="0" algn="ctr" defTabSz="914400" rtl="0" eaLnBrk="0" fontAlgn="base" latinLnBrk="0" hangingPunct="0">
+              <a:lnSpc>
+                <a:spcPct val="100000"/>
+              </a:lnSpc>
+              <a:spcBef>
+                <a:spcPct val="0"/>
+              </a:spcBef>
+              <a:spcAft>
+                <a:spcPct val="0"/>
+              </a:spcAft>
+              <a:buClrTx/>
+              <a:buSzTx/>
+              <a:buFontTx/>
+              <a:buNone/>
+              <a:tabLst/>
+            </a:pPr>
+            <a:r>
+              <a:rPr kumimoji="0" lang="en-US" altLang="en-US" sz="1100" b="0" i="0" u="none" strike="noStrike" cap="none" normalizeH="0" baseline="0" dirty="0">
+                <a:ln>
+                  <a:noFill/>
+                </a:ln>
+                <a:solidFill>
+                  <a:schemeClr val="tx1"/>
+                </a:solidFill>
+                <a:effectLst/>
+                <a:latin typeface="Calibri" panose="020F0502020204030204" pitchFamily="34" charset="0"/>
+                <a:ea typeface="Aptos" panose="020B0004020202020204" pitchFamily="34" charset="0"/>
+                <a:cs typeface="Calibri" panose="020F0502020204030204" pitchFamily="34" charset="0"/>
+              </a:rPr>
+              <a:t>BATTERY</a:t>
+            </a:r>
+            <a:endParaRPr kumimoji="0" lang="en-US" altLang="en-US" sz="800" b="0" i="0" u="none" strike="noStrike" cap="none" normalizeH="0" baseline="0" dirty="0">
+              <a:ln>
+                <a:noFill/>
+              </a:ln>
+              <a:solidFill>
+                <a:schemeClr val="tx1"/>
+              </a:solidFill>
+              <a:effectLst/>
+            </a:endParaRPr>
+          </a:p>
+          <a:p>
+            <a:pPr marL="0" marR="0" lvl="0" indent="0" algn="ctr" defTabSz="914400" rtl="0" eaLnBrk="0" fontAlgn="base" latinLnBrk="0" hangingPunct="0">
+              <a:lnSpc>
+                <a:spcPct val="100000"/>
+              </a:lnSpc>
+              <a:spcBef>
+                <a:spcPct val="0"/>
+              </a:spcBef>
+              <a:spcAft>
+                <a:spcPct val="0"/>
+              </a:spcAft>
+              <a:buClrTx/>
+              <a:buSzTx/>
+              <a:buFontTx/>
+              <a:buNone/>
+              <a:tabLst/>
+            </a:pPr>
+            <a:r>
+              <a:rPr kumimoji="0" lang="en-US" altLang="en-US" sz="1100" b="0" i="0" u="none" strike="noStrike" cap="none" normalizeH="0" baseline="0" dirty="0">
+                <a:ln>
+                  <a:noFill/>
+                </a:ln>
+                <a:solidFill>
+                  <a:schemeClr val="tx1"/>
+                </a:solidFill>
+                <a:effectLst/>
+                <a:latin typeface="Calibri" panose="020F0502020204030204" pitchFamily="34" charset="0"/>
+                <a:ea typeface="Aptos" panose="020B0004020202020204" pitchFamily="34" charset="0"/>
+                <a:cs typeface="Calibri" panose="020F0502020204030204" pitchFamily="34" charset="0"/>
+              </a:rPr>
+              <a:t>-20.2 kW</a:t>
+            </a:r>
+            <a:endParaRPr kumimoji="0" lang="en-US" altLang="en-US" sz="800" b="0" i="0" u="none" strike="noStrike" cap="none" normalizeH="0" baseline="0" dirty="0">
+              <a:ln>
+                <a:noFill/>
+              </a:ln>
+              <a:solidFill>
+                <a:schemeClr val="tx1"/>
+              </a:solidFill>
+              <a:effectLst/>
+            </a:endParaRPr>
+          </a:p>
+          <a:p>
+            <a:pPr marL="0" marR="0" lvl="0" indent="0" algn="ctr" defTabSz="914400" rtl="0" eaLnBrk="0" fontAlgn="base" latinLnBrk="0" hangingPunct="0">
+              <a:lnSpc>
+                <a:spcPct val="100000"/>
+              </a:lnSpc>
+              <a:spcBef>
+                <a:spcPct val="0"/>
+              </a:spcBef>
+              <a:spcAft>
+                <a:spcPct val="0"/>
+              </a:spcAft>
+              <a:buClrTx/>
+              <a:buSzTx/>
+              <a:buFontTx/>
+              <a:buNone/>
+              <a:tabLst/>
+            </a:pPr>
+            <a:r>
+              <a:rPr kumimoji="0" lang="en-US" altLang="en-US" sz="1100" b="0" i="0" u="none" strike="noStrike" cap="none" normalizeH="0" baseline="0" dirty="0">
+                <a:ln>
+                  <a:noFill/>
+                </a:ln>
+                <a:solidFill>
+                  <a:schemeClr val="tx1"/>
+                </a:solidFill>
+                <a:effectLst/>
+                <a:latin typeface="Calibri" panose="020F0502020204030204" pitchFamily="34" charset="0"/>
+                <a:ea typeface="Aptos" panose="020B0004020202020204" pitchFamily="34" charset="0"/>
+                <a:cs typeface="Calibri" panose="020F0502020204030204" pitchFamily="34" charset="0"/>
+              </a:rPr>
+              <a:t>Charging</a:t>
+            </a:r>
+            <a:br>
+              <a:rPr kumimoji="0" lang="en-US" altLang="en-US" sz="1100" b="0" i="0" u="none" strike="noStrike" cap="none" normalizeH="0" baseline="0" dirty="0">
+                <a:ln>
+                  <a:noFill/>
+                </a:ln>
+                <a:solidFill>
+                  <a:schemeClr val="tx1"/>
+                </a:solidFill>
+                <a:effectLst/>
+                <a:latin typeface="Calibri" panose="020F0502020204030204" pitchFamily="34" charset="0"/>
+                <a:ea typeface="Aptos" panose="020B0004020202020204" pitchFamily="34" charset="0"/>
+                <a:cs typeface="Calibri" panose="020F0502020204030204" pitchFamily="34" charset="0"/>
+              </a:rPr>
+            </a:br>
+            <a:r>
+              <a:rPr kumimoji="0" lang="en-US" altLang="en-US" sz="1100" b="0" i="0" u="none" strike="noStrike" cap="none" normalizeH="0" baseline="0" dirty="0">
+                <a:ln>
+                  <a:noFill/>
+                </a:ln>
+                <a:solidFill>
+                  <a:schemeClr val="tx1"/>
+                </a:solidFill>
+                <a:effectLst/>
+                <a:latin typeface="Calibri" panose="020F0502020204030204" pitchFamily="34" charset="0"/>
+                <a:ea typeface="Aptos" panose="020B0004020202020204" pitchFamily="34" charset="0"/>
+                <a:cs typeface="Calibri" panose="020F0502020204030204" pitchFamily="34" charset="0"/>
+              </a:rPr>
+              <a:t>57% SOC  45</a:t>
+            </a:r>
+            <a:r>
+              <a:rPr kumimoji="0" lang="en-US" altLang="en-US" sz="1100" b="0" i="0" u="none" strike="noStrike" cap="none" normalizeH="0" baseline="30000" dirty="0">
+                <a:ln>
+                  <a:noFill/>
+                </a:ln>
+                <a:solidFill>
+                  <a:schemeClr val="tx1"/>
+                </a:solidFill>
+                <a:effectLst/>
+                <a:latin typeface="Calibri" panose="020F0502020204030204" pitchFamily="34" charset="0"/>
+                <a:ea typeface="Aptos" panose="020B0004020202020204" pitchFamily="34" charset="0"/>
+                <a:cs typeface="Calibri" panose="020F0502020204030204" pitchFamily="34" charset="0"/>
+              </a:rPr>
+              <a:t>o</a:t>
+            </a:r>
+            <a:r>
+              <a:rPr kumimoji="0" lang="en-US" altLang="en-US" sz="1100" b="0" i="0" u="none" strike="noStrike" cap="none" normalizeH="0" baseline="0" dirty="0">
+                <a:ln>
+                  <a:noFill/>
+                </a:ln>
+                <a:solidFill>
+                  <a:schemeClr val="tx1"/>
+                </a:solidFill>
+                <a:effectLst/>
+                <a:latin typeface="Calibri" panose="020F0502020204030204" pitchFamily="34" charset="0"/>
+                <a:ea typeface="Aptos" panose="020B0004020202020204" pitchFamily="34" charset="0"/>
+                <a:cs typeface="Calibri" panose="020F0502020204030204" pitchFamily="34" charset="0"/>
+              </a:rPr>
+              <a:t>C</a:t>
+            </a:r>
+            <a:endParaRPr kumimoji="0" lang="en-US" altLang="en-US" sz="1800" b="0" i="0" u="none" strike="noStrike" cap="none" normalizeH="0" baseline="0" dirty="0">
+              <a:ln>
+                <a:noFill/>
+              </a:ln>
+              <a:solidFill>
+                <a:schemeClr val="tx1"/>
+              </a:solidFill>
+              <a:effectLst/>
+              <a:latin typeface="Arial" panose="020B0604020202020204" pitchFamily="34" charset="0"/>
+            </a:endParaRPr>
           </a:p>
         </p:txBody>
       </p:sp>
@@ -4319,98 +4241,6 @@
       </p:sp>
       <p:cxnSp>
         <p:nvCxnSpPr>
-          <p:cNvPr id="20" name="Connector: Elbow 19">
-            <a:extLst>
-              <a:ext uri="{FF2B5EF4-FFF2-40B4-BE49-F238E27FC236}">
-                <a16:creationId xmlns:a16="http://schemas.microsoft.com/office/drawing/2014/main" id="{23F22635-3606-0846-5C05-44CFE1753504}"/>
-              </a:ext>
-            </a:extLst>
-          </p:cNvPr>
-          <p:cNvCxnSpPr>
-            <a:cxnSpLocks/>
-            <a:stCxn id="10" idx="4"/>
-            <a:endCxn id="6" idx="0"/>
-          </p:cNvCxnSpPr>
-          <p:nvPr/>
-        </p:nvCxnSpPr>
-        <p:spPr>
-          <a:xfrm rot="5400000">
-            <a:off x="5406855" y="2222749"/>
-            <a:ext cx="326498" cy="1"/>
-          </a:xfrm>
-          <a:prstGeom prst="bentConnector3">
-            <a:avLst>
-              <a:gd name="adj1" fmla="val 50000"/>
-            </a:avLst>
-          </a:prstGeom>
-          <a:ln>
-            <a:headEnd type="triangle"/>
-            <a:tailEnd type="triangle"/>
-          </a:ln>
-        </p:spPr>
-        <p:style>
-          <a:lnRef idx="1">
-            <a:schemeClr val="accent1"/>
-          </a:lnRef>
-          <a:fillRef idx="0">
-            <a:schemeClr val="accent1"/>
-          </a:fillRef>
-          <a:effectRef idx="0">
-            <a:schemeClr val="accent1"/>
-          </a:effectRef>
-          <a:fontRef idx="minor">
-            <a:schemeClr val="tx1"/>
-          </a:fontRef>
-        </p:style>
-      </p:cxnSp>
-      <p:cxnSp>
-        <p:nvCxnSpPr>
-          <p:cNvPr id="23" name="Connector: Elbow 22">
-            <a:extLst>
-              <a:ext uri="{FF2B5EF4-FFF2-40B4-BE49-F238E27FC236}">
-                <a16:creationId xmlns:a16="http://schemas.microsoft.com/office/drawing/2014/main" id="{0F1DEB4B-F3B1-E4A0-3528-08E8FEBA56C5}"/>
-              </a:ext>
-            </a:extLst>
-          </p:cNvPr>
-          <p:cNvCxnSpPr>
-            <a:cxnSpLocks/>
-            <a:stCxn id="8" idx="1"/>
-            <a:endCxn id="6" idx="3"/>
-          </p:cNvCxnSpPr>
-          <p:nvPr/>
-        </p:nvCxnSpPr>
-        <p:spPr>
-          <a:xfrm rot="10800000">
-            <a:off x="6308290" y="2962261"/>
-            <a:ext cx="522210" cy="12700"/>
-          </a:xfrm>
-          <a:prstGeom prst="bentConnector3">
-            <a:avLst>
-              <a:gd name="adj1" fmla="val 50000"/>
-            </a:avLst>
-          </a:prstGeom>
-          <a:ln>
-            <a:headEnd type="triangle"/>
-            <a:tailEnd type="triangle"/>
-          </a:ln>
-        </p:spPr>
-        <p:style>
-          <a:lnRef idx="1">
-            <a:schemeClr val="accent1"/>
-          </a:lnRef>
-          <a:fillRef idx="0">
-            <a:schemeClr val="accent1"/>
-          </a:fillRef>
-          <a:effectRef idx="0">
-            <a:schemeClr val="accent1"/>
-          </a:effectRef>
-          <a:fontRef idx="minor">
-            <a:schemeClr val="tx1"/>
-          </a:fontRef>
-        </p:style>
-      </p:cxnSp>
-      <p:cxnSp>
-        <p:nvCxnSpPr>
           <p:cNvPr id="48" name="Straight Arrow Connector 47">
             <a:extLst>
               <a:ext uri="{FF2B5EF4-FFF2-40B4-BE49-F238E27FC236}">
@@ -4427,8 +4257,500 @@
         </p:nvCxnSpPr>
         <p:spPr>
           <a:xfrm flipV="1">
-            <a:off x="5570103" y="3538523"/>
-            <a:ext cx="0" cy="482078"/>
+            <a:off x="7070291" y="3128603"/>
+            <a:ext cx="0" cy="856712"/>
+          </a:xfrm>
+          <a:prstGeom prst="straightConnector1">
+            <a:avLst/>
+          </a:prstGeom>
+          <a:ln>
+            <a:tailEnd type="triangle"/>
+          </a:ln>
+        </p:spPr>
+        <p:style>
+          <a:lnRef idx="2">
+            <a:schemeClr val="accent6"/>
+          </a:lnRef>
+          <a:fillRef idx="0">
+            <a:schemeClr val="accent6"/>
+          </a:fillRef>
+          <a:effectRef idx="1">
+            <a:schemeClr val="accent6"/>
+          </a:effectRef>
+          <a:fontRef idx="minor">
+            <a:schemeClr val="tx1"/>
+          </a:fontRef>
+        </p:style>
+      </p:cxnSp>
+      <p:sp>
+        <p:nvSpPr>
+          <p:cNvPr id="22" name="AutoShape 4">
+            <a:extLst>
+              <a:ext uri="{FF2B5EF4-FFF2-40B4-BE49-F238E27FC236}">
+                <a16:creationId xmlns:a16="http://schemas.microsoft.com/office/drawing/2014/main" id="{13C6B273-0F7F-A4A3-D0E2-740638E7BBDC}"/>
+              </a:ext>
+            </a:extLst>
+          </p:cNvPr>
+          <p:cNvSpPr>
+            <a:spLocks noChangeArrowheads="1"/>
+          </p:cNvSpPr>
+          <p:nvPr/>
+        </p:nvSpPr>
+        <p:spPr bwMode="auto">
+          <a:xfrm>
+            <a:off x="3794711" y="2199227"/>
+            <a:ext cx="1476375" cy="706226"/>
+          </a:xfrm>
+          <a:prstGeom prst="roundRect">
+            <a:avLst>
+              <a:gd name="adj" fmla="val 16667"/>
+            </a:avLst>
+          </a:prstGeom>
+          <a:ln>
+            <a:headEnd/>
+            <a:tailEnd/>
+          </a:ln>
+        </p:spPr>
+        <p:style>
+          <a:lnRef idx="2">
+            <a:schemeClr val="accent2">
+              <a:shade val="15000"/>
+            </a:schemeClr>
+          </a:lnRef>
+          <a:fillRef idx="1">
+            <a:schemeClr val="accent2"/>
+          </a:fillRef>
+          <a:effectRef idx="0">
+            <a:schemeClr val="accent2"/>
+          </a:effectRef>
+          <a:fontRef idx="minor">
+            <a:schemeClr val="lt1"/>
+          </a:fontRef>
+        </p:style>
+        <p:txBody>
+          <a:bodyPr vert="horz" wrap="square" lIns="91440" tIns="45720" rIns="91440" bIns="45720" numCol="1" anchor="ctr" anchorCtr="0" compatLnSpc="1">
+            <a:prstTxWarp prst="textNoShape">
+              <a:avLst/>
+            </a:prstTxWarp>
+          </a:bodyPr>
+          <a:lstStyle/>
+          <a:p>
+            <a:pPr marL="0" marR="0" lvl="0" indent="0" algn="ctr" defTabSz="914400" rtl="0" eaLnBrk="0" fontAlgn="base" latinLnBrk="0" hangingPunct="0">
+              <a:lnSpc>
+                <a:spcPct val="100000"/>
+              </a:lnSpc>
+              <a:spcBef>
+                <a:spcPct val="0"/>
+              </a:spcBef>
+              <a:spcAft>
+                <a:spcPct val="0"/>
+              </a:spcAft>
+              <a:buClrTx/>
+              <a:buSzTx/>
+              <a:buFontTx/>
+              <a:buNone/>
+              <a:tabLst/>
+            </a:pPr>
+            <a:r>
+              <a:rPr kumimoji="0" lang="en-US" altLang="en-US" sz="1100" b="0" i="0" u="none" strike="noStrike" cap="none" normalizeH="0" baseline="0" dirty="0">
+                <a:ln>
+                  <a:noFill/>
+                </a:ln>
+                <a:solidFill>
+                  <a:schemeClr val="bg1"/>
+                </a:solidFill>
+                <a:effectLst/>
+                <a:latin typeface="Calibri" panose="020F0502020204030204" pitchFamily="34" charset="0"/>
+                <a:ea typeface="Aptos" panose="020B0004020202020204" pitchFamily="34" charset="0"/>
+                <a:cs typeface="Calibri" panose="020F0502020204030204" pitchFamily="34" charset="0"/>
+              </a:rPr>
+              <a:t>GRID METER</a:t>
+            </a:r>
+          </a:p>
+          <a:p>
+            <a:pPr marL="0" marR="0" lvl="0" indent="0" algn="ctr" defTabSz="914400" rtl="0" eaLnBrk="0" fontAlgn="base" latinLnBrk="0" hangingPunct="0">
+              <a:lnSpc>
+                <a:spcPct val="100000"/>
+              </a:lnSpc>
+              <a:spcBef>
+                <a:spcPct val="0"/>
+              </a:spcBef>
+              <a:spcAft>
+                <a:spcPct val="0"/>
+              </a:spcAft>
+              <a:buClrTx/>
+              <a:buSzTx/>
+              <a:buFontTx/>
+              <a:buNone/>
+              <a:tabLst/>
+            </a:pPr>
+            <a:r>
+              <a:rPr lang="en-US" altLang="en-US" sz="1100" dirty="0">
+                <a:solidFill>
+                  <a:schemeClr val="bg1"/>
+                </a:solidFill>
+                <a:latin typeface="Calibri" panose="020F0502020204030204" pitchFamily="34" charset="0"/>
+                <a:cs typeface="Calibri" panose="020F0502020204030204" pitchFamily="34" charset="0"/>
+              </a:rPr>
+              <a:t>19.5 kW</a:t>
+            </a:r>
+            <a:endParaRPr kumimoji="0" lang="en-US" altLang="en-US" sz="1800" b="0" i="0" u="none" strike="noStrike" cap="none" normalizeH="0" baseline="0" dirty="0">
+              <a:ln>
+                <a:noFill/>
+              </a:ln>
+              <a:solidFill>
+                <a:schemeClr val="bg1"/>
+              </a:solidFill>
+              <a:effectLst/>
+              <a:latin typeface="Arial" panose="020B0604020202020204" pitchFamily="34" charset="0"/>
+            </a:endParaRPr>
+          </a:p>
+        </p:txBody>
+      </p:sp>
+      <p:cxnSp>
+        <p:nvCxnSpPr>
+          <p:cNvPr id="54" name="Straight Arrow Connector 53">
+            <a:extLst>
+              <a:ext uri="{FF2B5EF4-FFF2-40B4-BE49-F238E27FC236}">
+                <a16:creationId xmlns:a16="http://schemas.microsoft.com/office/drawing/2014/main" id="{94FCC203-5B4E-B603-94C2-A2A41D760E80}"/>
+              </a:ext>
+            </a:extLst>
+          </p:cNvPr>
+          <p:cNvCxnSpPr/>
+          <p:nvPr/>
+        </p:nvCxnSpPr>
+        <p:spPr>
+          <a:xfrm>
+            <a:off x="5271086" y="2743200"/>
+            <a:ext cx="1061017" cy="0"/>
+          </a:xfrm>
+          <a:prstGeom prst="straightConnector1">
+            <a:avLst/>
+          </a:prstGeom>
+          <a:ln>
+            <a:tailEnd type="triangle"/>
+          </a:ln>
+        </p:spPr>
+        <p:style>
+          <a:lnRef idx="2">
+            <a:schemeClr val="accent2"/>
+          </a:lnRef>
+          <a:fillRef idx="0">
+            <a:schemeClr val="accent2"/>
+          </a:fillRef>
+          <a:effectRef idx="1">
+            <a:schemeClr val="accent2"/>
+          </a:effectRef>
+          <a:fontRef idx="minor">
+            <a:schemeClr val="tx1"/>
+          </a:fontRef>
+        </p:style>
+      </p:cxnSp>
+      <p:cxnSp>
+        <p:nvCxnSpPr>
+          <p:cNvPr id="55" name="Straight Arrow Connector 54">
+            <a:extLst>
+              <a:ext uri="{FF2B5EF4-FFF2-40B4-BE49-F238E27FC236}">
+                <a16:creationId xmlns:a16="http://schemas.microsoft.com/office/drawing/2014/main" id="{01BDEBE3-E633-3E83-C4AB-AFECC62E9C05}"/>
+              </a:ext>
+            </a:extLst>
+          </p:cNvPr>
+          <p:cNvCxnSpPr/>
+          <p:nvPr/>
+        </p:nvCxnSpPr>
+        <p:spPr>
+          <a:xfrm>
+            <a:off x="7808477" y="2654709"/>
+            <a:ext cx="1061017" cy="0"/>
+          </a:xfrm>
+          <a:prstGeom prst="straightConnector1">
+            <a:avLst/>
+          </a:prstGeom>
+          <a:ln>
+            <a:tailEnd type="triangle"/>
+          </a:ln>
+        </p:spPr>
+        <p:style>
+          <a:lnRef idx="2">
+            <a:schemeClr val="accent2"/>
+          </a:lnRef>
+          <a:fillRef idx="0">
+            <a:schemeClr val="accent2"/>
+          </a:fillRef>
+          <a:effectRef idx="1">
+            <a:schemeClr val="accent2"/>
+          </a:effectRef>
+          <a:fontRef idx="minor">
+            <a:schemeClr val="tx1"/>
+          </a:fontRef>
+        </p:style>
+      </p:cxnSp>
+      <p:cxnSp>
+        <p:nvCxnSpPr>
+          <p:cNvPr id="61" name="Straight Arrow Connector 60">
+            <a:extLst>
+              <a:ext uri="{FF2B5EF4-FFF2-40B4-BE49-F238E27FC236}">
+                <a16:creationId xmlns:a16="http://schemas.microsoft.com/office/drawing/2014/main" id="{75FC455A-FE84-F0CC-333C-712D6489192A}"/>
+              </a:ext>
+            </a:extLst>
+          </p:cNvPr>
+          <p:cNvCxnSpPr>
+            <a:cxnSpLocks/>
+          </p:cNvCxnSpPr>
+          <p:nvPr/>
+        </p:nvCxnSpPr>
+        <p:spPr>
+          <a:xfrm flipH="1">
+            <a:off x="7808477" y="2453148"/>
+            <a:ext cx="1061017" cy="0"/>
+          </a:xfrm>
+          <a:prstGeom prst="straightConnector1">
+            <a:avLst/>
+          </a:prstGeom>
+          <a:ln>
+            <a:tailEnd type="triangle"/>
+          </a:ln>
+        </p:spPr>
+        <p:style>
+          <a:lnRef idx="2">
+            <a:schemeClr val="accent3"/>
+          </a:lnRef>
+          <a:fillRef idx="0">
+            <a:schemeClr val="accent3"/>
+          </a:fillRef>
+          <a:effectRef idx="1">
+            <a:schemeClr val="accent3"/>
+          </a:effectRef>
+          <a:fontRef idx="minor">
+            <a:schemeClr val="tx1"/>
+          </a:fontRef>
+        </p:style>
+      </p:cxnSp>
+      <p:cxnSp>
+        <p:nvCxnSpPr>
+          <p:cNvPr id="62" name="Straight Arrow Connector 61">
+            <a:extLst>
+              <a:ext uri="{FF2B5EF4-FFF2-40B4-BE49-F238E27FC236}">
+                <a16:creationId xmlns:a16="http://schemas.microsoft.com/office/drawing/2014/main" id="{0FF4FF24-8C89-6C9F-DE65-8AA081D25FFE}"/>
+              </a:ext>
+            </a:extLst>
+          </p:cNvPr>
+          <p:cNvCxnSpPr/>
+          <p:nvPr/>
+        </p:nvCxnSpPr>
+        <p:spPr>
+          <a:xfrm>
+            <a:off x="7808477" y="2831690"/>
+            <a:ext cx="1061017" cy="0"/>
+          </a:xfrm>
+          <a:prstGeom prst="straightConnector1">
+            <a:avLst/>
+          </a:prstGeom>
+          <a:ln>
+            <a:tailEnd type="triangle"/>
+          </a:ln>
+        </p:spPr>
+        <p:style>
+          <a:lnRef idx="2">
+            <a:schemeClr val="accent6"/>
+          </a:lnRef>
+          <a:fillRef idx="0">
+            <a:schemeClr val="accent6"/>
+          </a:fillRef>
+          <a:effectRef idx="1">
+            <a:schemeClr val="accent6"/>
+          </a:effectRef>
+          <a:fontRef idx="minor">
+            <a:schemeClr val="tx1"/>
+          </a:fontRef>
+        </p:style>
+      </p:cxnSp>
+      <p:cxnSp>
+        <p:nvCxnSpPr>
+          <p:cNvPr id="64" name="Connector: Elbow 63">
+            <a:extLst>
+              <a:ext uri="{FF2B5EF4-FFF2-40B4-BE49-F238E27FC236}">
+                <a16:creationId xmlns:a16="http://schemas.microsoft.com/office/drawing/2014/main" id="{6404E030-99AE-A004-E1F4-02E92E9E70D8}"/>
+              </a:ext>
+            </a:extLst>
+          </p:cNvPr>
+          <p:cNvCxnSpPr>
+            <a:cxnSpLocks/>
+            <a:stCxn id="6" idx="0"/>
+            <a:endCxn id="4" idx="3"/>
+          </p:cNvCxnSpPr>
+          <p:nvPr/>
+        </p:nvCxnSpPr>
+        <p:spPr>
+          <a:xfrm rot="16200000" flipV="1">
+            <a:off x="6380562" y="1286349"/>
+            <a:ext cx="745276" cy="634182"/>
+          </a:xfrm>
+          <a:prstGeom prst="bentConnector2">
+            <a:avLst/>
+          </a:prstGeom>
+          <a:ln>
+            <a:tailEnd type="triangle"/>
+          </a:ln>
+        </p:spPr>
+        <p:style>
+          <a:lnRef idx="2">
+            <a:schemeClr val="accent6"/>
+          </a:lnRef>
+          <a:fillRef idx="0">
+            <a:schemeClr val="accent6"/>
+          </a:fillRef>
+          <a:effectRef idx="1">
+            <a:schemeClr val="accent6"/>
+          </a:effectRef>
+          <a:fontRef idx="minor">
+            <a:schemeClr val="tx1"/>
+          </a:fontRef>
+        </p:style>
+      </p:cxnSp>
+      <p:cxnSp>
+        <p:nvCxnSpPr>
+          <p:cNvPr id="67" name="Connector: Elbow 66">
+            <a:extLst>
+              <a:ext uri="{FF2B5EF4-FFF2-40B4-BE49-F238E27FC236}">
+                <a16:creationId xmlns:a16="http://schemas.microsoft.com/office/drawing/2014/main" id="{DC37237D-5FDE-767C-4AF5-DD800F037C02}"/>
+              </a:ext>
+            </a:extLst>
+          </p:cNvPr>
+          <p:cNvCxnSpPr>
+            <a:cxnSpLocks/>
+          </p:cNvCxnSpPr>
+          <p:nvPr/>
+        </p:nvCxnSpPr>
+        <p:spPr>
+          <a:xfrm rot="16200000" flipV="1">
+            <a:off x="6327911" y="968278"/>
+            <a:ext cx="1115998" cy="899602"/>
+          </a:xfrm>
+          <a:prstGeom prst="bentConnector3">
+            <a:avLst>
+              <a:gd name="adj1" fmla="val 99338"/>
+            </a:avLst>
+          </a:prstGeom>
+          <a:ln>
+            <a:tailEnd type="triangle"/>
+          </a:ln>
+        </p:spPr>
+        <p:style>
+          <a:lnRef idx="2">
+            <a:schemeClr val="accent3"/>
+          </a:lnRef>
+          <a:fillRef idx="0">
+            <a:schemeClr val="accent3"/>
+          </a:fillRef>
+          <a:effectRef idx="1">
+            <a:schemeClr val="accent3"/>
+          </a:effectRef>
+          <a:fontRef idx="minor">
+            <a:schemeClr val="tx1"/>
+          </a:fontRef>
+        </p:style>
+      </p:cxnSp>
+      <p:cxnSp>
+        <p:nvCxnSpPr>
+          <p:cNvPr id="71" name="Connector: Elbow 70">
+            <a:extLst>
+              <a:ext uri="{FF2B5EF4-FFF2-40B4-BE49-F238E27FC236}">
+                <a16:creationId xmlns:a16="http://schemas.microsoft.com/office/drawing/2014/main" id="{D0465731-D6FD-0648-D92A-00F17DA7C580}"/>
+              </a:ext>
+            </a:extLst>
+          </p:cNvPr>
+          <p:cNvCxnSpPr>
+            <a:cxnSpLocks/>
+            <a:stCxn id="22" idx="0"/>
+            <a:endCxn id="4" idx="1"/>
+          </p:cNvCxnSpPr>
+          <p:nvPr/>
+        </p:nvCxnSpPr>
+        <p:spPr>
+          <a:xfrm rot="5400000" flipH="1" flipV="1">
+            <a:off x="4262104" y="1501598"/>
+            <a:ext cx="968425" cy="426835"/>
+          </a:xfrm>
+          <a:prstGeom prst="bentConnector2">
+            <a:avLst/>
+          </a:prstGeom>
+          <a:ln>
+            <a:tailEnd type="triangle"/>
+          </a:ln>
+        </p:spPr>
+        <p:style>
+          <a:lnRef idx="2">
+            <a:schemeClr val="accent2"/>
+          </a:lnRef>
+          <a:fillRef idx="0">
+            <a:schemeClr val="accent2"/>
+          </a:fillRef>
+          <a:effectRef idx="1">
+            <a:schemeClr val="accent2"/>
+          </a:effectRef>
+          <a:fontRef idx="minor">
+            <a:schemeClr val="tx1"/>
+          </a:fontRef>
+        </p:style>
+      </p:cxnSp>
+      <p:cxnSp>
+        <p:nvCxnSpPr>
+          <p:cNvPr id="75" name="Straight Arrow Connector 74">
+            <a:extLst>
+              <a:ext uri="{FF2B5EF4-FFF2-40B4-BE49-F238E27FC236}">
+                <a16:creationId xmlns:a16="http://schemas.microsoft.com/office/drawing/2014/main" id="{7ABD5E0F-DA45-F5EE-28C6-ACE238257F9F}"/>
+              </a:ext>
+            </a:extLst>
+          </p:cNvPr>
+          <p:cNvCxnSpPr>
+            <a:cxnSpLocks/>
+          </p:cNvCxnSpPr>
+          <p:nvPr/>
+        </p:nvCxnSpPr>
+        <p:spPr>
+          <a:xfrm flipH="1">
+            <a:off x="5271086" y="2453148"/>
+            <a:ext cx="1061017" cy="0"/>
+          </a:xfrm>
+          <a:prstGeom prst="straightConnector1">
+            <a:avLst/>
+          </a:prstGeom>
+          <a:ln>
+            <a:tailEnd type="triangle"/>
+          </a:ln>
+        </p:spPr>
+        <p:style>
+          <a:lnRef idx="2">
+            <a:schemeClr val="accent6"/>
+          </a:lnRef>
+          <a:fillRef idx="0">
+            <a:schemeClr val="accent6"/>
+          </a:fillRef>
+          <a:effectRef idx="1">
+            <a:schemeClr val="accent6"/>
+          </a:effectRef>
+          <a:fontRef idx="minor">
+            <a:schemeClr val="tx1"/>
+          </a:fontRef>
+        </p:style>
+      </p:cxnSp>
+      <p:cxnSp>
+        <p:nvCxnSpPr>
+          <p:cNvPr id="76" name="Straight Arrow Connector 75">
+            <a:extLst>
+              <a:ext uri="{FF2B5EF4-FFF2-40B4-BE49-F238E27FC236}">
+                <a16:creationId xmlns:a16="http://schemas.microsoft.com/office/drawing/2014/main" id="{98907235-F126-1AEE-842D-A7DB6904C029}"/>
+              </a:ext>
+            </a:extLst>
+          </p:cNvPr>
+          <p:cNvCxnSpPr/>
+          <p:nvPr/>
+        </p:nvCxnSpPr>
+        <p:spPr>
+          <a:xfrm>
+            <a:off x="2733694" y="2654709"/>
+            <a:ext cx="1061017" cy="0"/>
           </a:xfrm>
           <a:prstGeom prst="straightConnector1">
             <a:avLst/>
@@ -4454,24 +4776,22 @@
       </p:cxnSp>
       <p:cxnSp>
         <p:nvCxnSpPr>
-          <p:cNvPr id="56" name="Straight Arrow Connector 55">
-            <a:extLst>
-              <a:ext uri="{FF2B5EF4-FFF2-40B4-BE49-F238E27FC236}">
-                <a16:creationId xmlns:a16="http://schemas.microsoft.com/office/drawing/2014/main" id="{88C0E555-E5A0-C744-BB91-F8C7DCE31D7B}"/>
+          <p:cNvPr id="77" name="Straight Arrow Connector 76">
+            <a:extLst>
+              <a:ext uri="{FF2B5EF4-FFF2-40B4-BE49-F238E27FC236}">
+                <a16:creationId xmlns:a16="http://schemas.microsoft.com/office/drawing/2014/main" id="{84D8481D-FC53-5D31-789E-0C3A71646838}"/>
               </a:ext>
             </a:extLst>
           </p:cNvPr>
           <p:cNvCxnSpPr>
             <a:cxnSpLocks/>
-            <a:stCxn id="10" idx="0"/>
-            <a:endCxn id="4" idx="2"/>
           </p:cNvCxnSpPr>
           <p:nvPr/>
         </p:nvCxnSpPr>
         <p:spPr>
-          <a:xfrm flipH="1" flipV="1">
-            <a:off x="5570102" y="1178450"/>
-            <a:ext cx="2" cy="326497"/>
+          <a:xfrm flipH="1">
+            <a:off x="2733694" y="2437761"/>
+            <a:ext cx="1061017" cy="0"/>
           </a:xfrm>
           <a:prstGeom prst="straightConnector1">
             <a:avLst/>
@@ -4482,13 +4802,13 @@
         </p:spPr>
         <p:style>
           <a:lnRef idx="2">
-            <a:schemeClr val="accent1"/>
+            <a:schemeClr val="accent6"/>
           </a:lnRef>
           <a:fillRef idx="0">
-            <a:schemeClr val="accent1"/>
+            <a:schemeClr val="accent6"/>
           </a:fillRef>
           <a:effectRef idx="1">
-            <a:schemeClr val="accent1"/>
+            <a:schemeClr val="accent6"/>
           </a:effectRef>
           <a:fontRef idx="minor">
             <a:schemeClr val="tx1"/>
@@ -4511,7 +4831,7 @@
 <file path=ppt/theme/theme1.xml><?xml version="1.0" encoding="utf-8"?>
 <a:theme xmlns:a="http://schemas.openxmlformats.org/drawingml/2006/main" name="Office Theme">
   <a:themeElements>
-    <a:clrScheme name="Office">
+    <a:clrScheme name="Office 2007 - 2010">
       <a:dk1>
         <a:sysClr val="windowText" lastClr="000000"/>
       </a:dk1>
@@ -4519,34 +4839,34 @@
         <a:sysClr val="window" lastClr="FFFFFF"/>
       </a:lt1>
       <a:dk2>
-        <a:srgbClr val="0E2841"/>
+        <a:srgbClr val="1F497D"/>
       </a:dk2>
       <a:lt2>
-        <a:srgbClr val="E8E8E8"/>
+        <a:srgbClr val="EEECE1"/>
       </a:lt2>
       <a:accent1>
-        <a:srgbClr val="156082"/>
+        <a:srgbClr val="4F81BD"/>
       </a:accent1>
       <a:accent2>
-        <a:srgbClr val="E97132"/>
+        <a:srgbClr val="C0504D"/>
       </a:accent2>
       <a:accent3>
-        <a:srgbClr val="196B24"/>
+        <a:srgbClr val="9BBB59"/>
       </a:accent3>
       <a:accent4>
-        <a:srgbClr val="0F9ED5"/>
+        <a:srgbClr val="8064A2"/>
       </a:accent4>
       <a:accent5>
-        <a:srgbClr val="A02B93"/>
+        <a:srgbClr val="4BACC6"/>
       </a:accent5>
       <a:accent6>
-        <a:srgbClr val="4EA72E"/>
+        <a:srgbClr val="F79646"/>
       </a:accent6>
       <a:hlink>
-        <a:srgbClr val="467886"/>
+        <a:srgbClr val="0000FF"/>
       </a:hlink>
       <a:folHlink>
-        <a:srgbClr val="96607D"/>
+        <a:srgbClr val="800080"/>
       </a:folHlink>
     </a:clrScheme>
     <a:fontScheme name="Office">

--- a/Presentation1.pptx
+++ b/Presentation1.pptx
@@ -3363,7 +3363,7 @@
         </p:nvSpPr>
         <p:spPr bwMode="auto">
           <a:xfrm>
-            <a:off x="4959734" y="648190"/>
+            <a:off x="6332103" y="276666"/>
             <a:ext cx="1476375" cy="1165223"/>
           </a:xfrm>
           <a:prstGeom prst="roundRect">
@@ -4298,8 +4298,8 @@
         </p:nvSpPr>
         <p:spPr bwMode="auto">
           <a:xfrm>
-            <a:off x="3794711" y="2199227"/>
-            <a:ext cx="1476375" cy="706226"/>
+            <a:off x="3794711" y="1976078"/>
+            <a:ext cx="1476375" cy="1152522"/>
           </a:xfrm>
           <a:prstGeom prst="roundRect">
             <a:avLst>
@@ -4367,44 +4367,6 @@
               <a:t>GRID METER</a:t>
             </a:r>
           </a:p>
-          <a:p>
-            <a:pPr marL="0" marR="0" lvl="0" indent="0" algn="ctr" defTabSz="914400" rtl="0" eaLnBrk="0" fontAlgn="base" latinLnBrk="0" hangingPunct="0">
-              <a:lnSpc>
-                <a:spcPct val="100000"/>
-              </a:lnSpc>
-              <a:spcBef>
-                <a:spcPct val="0"/>
-              </a:spcBef>
-              <a:spcAft>
-                <a:spcPct val="0"/>
-              </a:spcAft>
-              <a:buClrTx/>
-              <a:buSzTx/>
-              <a:buFontTx/>
-              <a:buNone/>
-              <a:tabLst/>
-            </a:pPr>
-            <a:r>
-              <a:rPr lang="en-US" altLang="en-US" sz="1100" dirty="0">
-                <a:solidFill>
-                  <a:schemeClr val="bg1"/>
-                </a:solidFill>
-                <a:latin typeface="Calibri" panose="020F0502020204030204" pitchFamily="34" charset="0"/>
-                <a:cs typeface="Calibri" panose="020F0502020204030204" pitchFamily="34" charset="0"/>
-              </a:rPr>
-              <a:t>19.5 kW</a:t>
-            </a:r>
-            <a:endParaRPr kumimoji="0" lang="en-US" altLang="en-US" sz="1800" b="0" i="0" u="none" strike="noStrike" cap="none" normalizeH="0" baseline="0" dirty="0">
-              <a:ln>
-                <a:noFill/>
-              </a:ln>
-              <a:solidFill>
-                <a:schemeClr val="bg1"/>
-              </a:solidFill>
-              <a:effectLst/>
-              <a:latin typeface="Arial" panose="020B0604020202020204" pitchFamily="34" charset="0"/>
-            </a:endParaRPr>
-          </a:p>
         </p:txBody>
       </p:sp>
       <p:cxnSp>
@@ -4421,7 +4383,7 @@
         </p:nvCxnSpPr>
         <p:spPr>
           <a:xfrm>
-            <a:off x="5271086" y="2743200"/>
+            <a:off x="5271086" y="2444184"/>
             <a:ext cx="1061017" cy="0"/>
           </a:xfrm>
           <a:prstGeom prst="straightConnector1">
@@ -4460,7 +4422,7 @@
         </p:nvCxnSpPr>
         <p:spPr>
           <a:xfrm>
-            <a:off x="7808477" y="2654709"/>
+            <a:off x="7808477" y="2562172"/>
             <a:ext cx="1061017" cy="0"/>
           </a:xfrm>
           <a:prstGeom prst="straightConnector1">
@@ -4501,7 +4463,7 @@
         </p:nvCxnSpPr>
         <p:spPr>
           <a:xfrm flipH="1">
-            <a:off x="7808477" y="2453148"/>
+            <a:off x="7808477" y="2305664"/>
             <a:ext cx="1061017" cy="0"/>
           </a:xfrm>
           <a:prstGeom prst="straightConnector1">
@@ -4540,7 +4502,7 @@
         </p:nvCxnSpPr>
         <p:spPr>
           <a:xfrm>
-            <a:off x="7808477" y="2831690"/>
+            <a:off x="7808477" y="2812026"/>
             <a:ext cx="1061017" cy="0"/>
           </a:xfrm>
           <a:prstGeom prst="straightConnector1">
@@ -4567,92 +4529,6 @@
       </p:cxnSp>
       <p:cxnSp>
         <p:nvCxnSpPr>
-          <p:cNvPr id="64" name="Connector: Elbow 63">
-            <a:extLst>
-              <a:ext uri="{FF2B5EF4-FFF2-40B4-BE49-F238E27FC236}">
-                <a16:creationId xmlns:a16="http://schemas.microsoft.com/office/drawing/2014/main" id="{6404E030-99AE-A004-E1F4-02E92E9E70D8}"/>
-              </a:ext>
-            </a:extLst>
-          </p:cNvPr>
-          <p:cNvCxnSpPr>
-            <a:cxnSpLocks/>
-            <a:stCxn id="6" idx="0"/>
-            <a:endCxn id="4" idx="3"/>
-          </p:cNvCxnSpPr>
-          <p:nvPr/>
-        </p:nvCxnSpPr>
-        <p:spPr>
-          <a:xfrm rot="16200000" flipV="1">
-            <a:off x="6380562" y="1286349"/>
-            <a:ext cx="745276" cy="634182"/>
-          </a:xfrm>
-          <a:prstGeom prst="bentConnector2">
-            <a:avLst/>
-          </a:prstGeom>
-          <a:ln>
-            <a:tailEnd type="triangle"/>
-          </a:ln>
-        </p:spPr>
-        <p:style>
-          <a:lnRef idx="2">
-            <a:schemeClr val="accent6"/>
-          </a:lnRef>
-          <a:fillRef idx="0">
-            <a:schemeClr val="accent6"/>
-          </a:fillRef>
-          <a:effectRef idx="1">
-            <a:schemeClr val="accent6"/>
-          </a:effectRef>
-          <a:fontRef idx="minor">
-            <a:schemeClr val="tx1"/>
-          </a:fontRef>
-        </p:style>
-      </p:cxnSp>
-      <p:cxnSp>
-        <p:nvCxnSpPr>
-          <p:cNvPr id="67" name="Connector: Elbow 66">
-            <a:extLst>
-              <a:ext uri="{FF2B5EF4-FFF2-40B4-BE49-F238E27FC236}">
-                <a16:creationId xmlns:a16="http://schemas.microsoft.com/office/drawing/2014/main" id="{DC37237D-5FDE-767C-4AF5-DD800F037C02}"/>
-              </a:ext>
-            </a:extLst>
-          </p:cNvPr>
-          <p:cNvCxnSpPr>
-            <a:cxnSpLocks/>
-          </p:cNvCxnSpPr>
-          <p:nvPr/>
-        </p:nvCxnSpPr>
-        <p:spPr>
-          <a:xfrm rot="16200000" flipV="1">
-            <a:off x="6327911" y="968278"/>
-            <a:ext cx="1115998" cy="899602"/>
-          </a:xfrm>
-          <a:prstGeom prst="bentConnector3">
-            <a:avLst>
-              <a:gd name="adj1" fmla="val 99338"/>
-            </a:avLst>
-          </a:prstGeom>
-          <a:ln>
-            <a:tailEnd type="triangle"/>
-          </a:ln>
-        </p:spPr>
-        <p:style>
-          <a:lnRef idx="2">
-            <a:schemeClr val="accent3"/>
-          </a:lnRef>
-          <a:fillRef idx="0">
-            <a:schemeClr val="accent3"/>
-          </a:fillRef>
-          <a:effectRef idx="1">
-            <a:schemeClr val="accent3"/>
-          </a:effectRef>
-          <a:fontRef idx="minor">
-            <a:schemeClr val="tx1"/>
-          </a:fontRef>
-        </p:style>
-      </p:cxnSp>
-      <p:cxnSp>
-        <p:nvCxnSpPr>
           <p:cNvPr id="71" name="Connector: Elbow 70">
             <a:extLst>
               <a:ext uri="{FF2B5EF4-FFF2-40B4-BE49-F238E27FC236}">
@@ -4669,8 +4545,8 @@
         </p:nvCxnSpPr>
         <p:spPr>
           <a:xfrm rot="5400000" flipH="1" flipV="1">
-            <a:off x="4262104" y="1501598"/>
-            <a:ext cx="968425" cy="426835"/>
+            <a:off x="4874101" y="518076"/>
+            <a:ext cx="1116800" cy="1799204"/>
           </a:xfrm>
           <a:prstGeom prst="bentConnector2">
             <a:avLst/>
@@ -4710,7 +4586,7 @@
         </p:nvCxnSpPr>
         <p:spPr>
           <a:xfrm flipH="1">
-            <a:off x="5271086" y="2453148"/>
+            <a:off x="5271086" y="2703231"/>
             <a:ext cx="1061017" cy="0"/>
           </a:xfrm>
           <a:prstGeom prst="straightConnector1">
@@ -4749,7 +4625,7 @@
         </p:nvCxnSpPr>
         <p:spPr>
           <a:xfrm>
-            <a:off x="2733694" y="2654709"/>
+            <a:off x="2733694" y="2438399"/>
             <a:ext cx="1061017" cy="0"/>
           </a:xfrm>
           <a:prstGeom prst="straightConnector1">
@@ -4790,7 +4666,7 @@
         </p:nvCxnSpPr>
         <p:spPr>
           <a:xfrm flipH="1">
-            <a:off x="2733694" y="2437761"/>
+            <a:off x="2733694" y="2693399"/>
             <a:ext cx="1061017" cy="0"/>
           </a:xfrm>
           <a:prstGeom prst="straightConnector1">
@@ -4809,6 +4685,88 @@
           </a:fillRef>
           <a:effectRef idx="1">
             <a:schemeClr val="accent6"/>
+          </a:effectRef>
+          <a:fontRef idx="minor">
+            <a:schemeClr val="tx1"/>
+          </a:fontRef>
+        </p:style>
+      </p:cxnSp>
+      <p:cxnSp>
+        <p:nvCxnSpPr>
+          <p:cNvPr id="14" name="Straight Arrow Connector 13">
+            <a:extLst>
+              <a:ext uri="{FF2B5EF4-FFF2-40B4-BE49-F238E27FC236}">
+                <a16:creationId xmlns:a16="http://schemas.microsoft.com/office/drawing/2014/main" id="{D13ED65D-EA80-5A14-5078-ED7A7E8FF862}"/>
+              </a:ext>
+            </a:extLst>
+          </p:cNvPr>
+          <p:cNvCxnSpPr>
+            <a:cxnSpLocks/>
+          </p:cNvCxnSpPr>
+          <p:nvPr/>
+        </p:nvCxnSpPr>
+        <p:spPr>
+          <a:xfrm flipV="1">
+            <a:off x="6821894" y="1441889"/>
+            <a:ext cx="0" cy="534189"/>
+          </a:xfrm>
+          <a:prstGeom prst="straightConnector1">
+            <a:avLst/>
+          </a:prstGeom>
+          <a:ln>
+            <a:tailEnd type="triangle"/>
+          </a:ln>
+        </p:spPr>
+        <p:style>
+          <a:lnRef idx="2">
+            <a:schemeClr val="accent6"/>
+          </a:lnRef>
+          <a:fillRef idx="0">
+            <a:schemeClr val="accent6"/>
+          </a:fillRef>
+          <a:effectRef idx="1">
+            <a:schemeClr val="accent6"/>
+          </a:effectRef>
+          <a:fontRef idx="minor">
+            <a:schemeClr val="tx1"/>
+          </a:fontRef>
+        </p:style>
+      </p:cxnSp>
+      <p:cxnSp>
+        <p:nvCxnSpPr>
+          <p:cNvPr id="17" name="Straight Arrow Connector 16">
+            <a:extLst>
+              <a:ext uri="{FF2B5EF4-FFF2-40B4-BE49-F238E27FC236}">
+                <a16:creationId xmlns:a16="http://schemas.microsoft.com/office/drawing/2014/main" id="{BDBB7A9A-2FFF-12C6-D4EC-37D65184332B}"/>
+              </a:ext>
+            </a:extLst>
+          </p:cNvPr>
+          <p:cNvCxnSpPr>
+            <a:cxnSpLocks/>
+          </p:cNvCxnSpPr>
+          <p:nvPr/>
+        </p:nvCxnSpPr>
+        <p:spPr>
+          <a:xfrm flipV="1">
+            <a:off x="7269262" y="1441889"/>
+            <a:ext cx="0" cy="534189"/>
+          </a:xfrm>
+          <a:prstGeom prst="straightConnector1">
+            <a:avLst/>
+          </a:prstGeom>
+          <a:ln>
+            <a:tailEnd type="triangle"/>
+          </a:ln>
+        </p:spPr>
+        <p:style>
+          <a:lnRef idx="2">
+            <a:schemeClr val="accent3"/>
+          </a:lnRef>
+          <a:fillRef idx="0">
+            <a:schemeClr val="accent3"/>
+          </a:fillRef>
+          <a:effectRef idx="1">
+            <a:schemeClr val="accent3"/>
           </a:effectRef>
           <a:fontRef idx="minor">
             <a:schemeClr val="tx1"/>

--- a/Presentation1.pptx
+++ b/Presentation1.pptx
@@ -6,6 +6,7 @@
   </p:sldMasterIdLst>
   <p:sldIdLst>
     <p:sldId id="256" r:id="rId2"/>
+    <p:sldId id="257" r:id="rId3"/>
   </p:sldIdLst>
   <p:sldSz cx="12192000" cy="6858000"/>
   <p:notesSz cx="6858000" cy="9144000"/>
@@ -261,7 +262,7 @@
           <a:p>
             <a:fld id="{7F59C293-6A49-4561-839A-F3C484DA7083}" type="datetimeFigureOut">
               <a:rPr lang="en-GB" smtClean="0"/>
-              <a:t>20/01/2026</a:t>
+              <a:t>31/01/2026</a:t>
             </a:fld>
             <a:endParaRPr lang="en-GB"/>
           </a:p>
@@ -461,7 +462,7 @@
           <a:p>
             <a:fld id="{7F59C293-6A49-4561-839A-F3C484DA7083}" type="datetimeFigureOut">
               <a:rPr lang="en-GB" smtClean="0"/>
-              <a:t>20/01/2026</a:t>
+              <a:t>31/01/2026</a:t>
             </a:fld>
             <a:endParaRPr lang="en-GB"/>
           </a:p>
@@ -671,7 +672,7 @@
           <a:p>
             <a:fld id="{7F59C293-6A49-4561-839A-F3C484DA7083}" type="datetimeFigureOut">
               <a:rPr lang="en-GB" smtClean="0"/>
-              <a:t>20/01/2026</a:t>
+              <a:t>31/01/2026</a:t>
             </a:fld>
             <a:endParaRPr lang="en-GB"/>
           </a:p>
@@ -871,7 +872,7 @@
           <a:p>
             <a:fld id="{7F59C293-6A49-4561-839A-F3C484DA7083}" type="datetimeFigureOut">
               <a:rPr lang="en-GB" smtClean="0"/>
-              <a:t>20/01/2026</a:t>
+              <a:t>31/01/2026</a:t>
             </a:fld>
             <a:endParaRPr lang="en-GB"/>
           </a:p>
@@ -1147,7 +1148,7 @@
           <a:p>
             <a:fld id="{7F59C293-6A49-4561-839A-F3C484DA7083}" type="datetimeFigureOut">
               <a:rPr lang="en-GB" smtClean="0"/>
-              <a:t>20/01/2026</a:t>
+              <a:t>31/01/2026</a:t>
             </a:fld>
             <a:endParaRPr lang="en-GB"/>
           </a:p>
@@ -1415,7 +1416,7 @@
           <a:p>
             <a:fld id="{7F59C293-6A49-4561-839A-F3C484DA7083}" type="datetimeFigureOut">
               <a:rPr lang="en-GB" smtClean="0"/>
-              <a:t>20/01/2026</a:t>
+              <a:t>31/01/2026</a:t>
             </a:fld>
             <a:endParaRPr lang="en-GB"/>
           </a:p>
@@ -1830,7 +1831,7 @@
           <a:p>
             <a:fld id="{7F59C293-6A49-4561-839A-F3C484DA7083}" type="datetimeFigureOut">
               <a:rPr lang="en-GB" smtClean="0"/>
-              <a:t>20/01/2026</a:t>
+              <a:t>31/01/2026</a:t>
             </a:fld>
             <a:endParaRPr lang="en-GB"/>
           </a:p>
@@ -1972,7 +1973,7 @@
           <a:p>
             <a:fld id="{7F59C293-6A49-4561-839A-F3C484DA7083}" type="datetimeFigureOut">
               <a:rPr lang="en-GB" smtClean="0"/>
-              <a:t>20/01/2026</a:t>
+              <a:t>31/01/2026</a:t>
             </a:fld>
             <a:endParaRPr lang="en-GB"/>
           </a:p>
@@ -2085,7 +2086,7 @@
           <a:p>
             <a:fld id="{7F59C293-6A49-4561-839A-F3C484DA7083}" type="datetimeFigureOut">
               <a:rPr lang="en-GB" smtClean="0"/>
-              <a:t>20/01/2026</a:t>
+              <a:t>31/01/2026</a:t>
             </a:fld>
             <a:endParaRPr lang="en-GB"/>
           </a:p>
@@ -2398,7 +2399,7 @@
           <a:p>
             <a:fld id="{7F59C293-6A49-4561-839A-F3C484DA7083}" type="datetimeFigureOut">
               <a:rPr lang="en-GB" smtClean="0"/>
-              <a:t>20/01/2026</a:t>
+              <a:t>31/01/2026</a:t>
             </a:fld>
             <a:endParaRPr lang="en-GB"/>
           </a:p>
@@ -2687,7 +2688,7 @@
           <a:p>
             <a:fld id="{7F59C293-6A49-4561-839A-F3C484DA7083}" type="datetimeFigureOut">
               <a:rPr lang="en-GB" smtClean="0"/>
-              <a:t>20/01/2026</a:t>
+              <a:t>31/01/2026</a:t>
             </a:fld>
             <a:endParaRPr lang="en-GB"/>
           </a:p>
@@ -2930,7 +2931,7 @@
           <a:p>
             <a:fld id="{7F59C293-6A49-4561-839A-F3C484DA7083}" type="datetimeFigureOut">
               <a:rPr lang="en-GB" smtClean="0"/>
-              <a:t>20/01/2026</a:t>
+              <a:t>31/01/2026</a:t>
             </a:fld>
             <a:endParaRPr lang="en-GB"/>
           </a:p>
@@ -4777,6 +4778,280 @@
     <p:extLst>
       <p:ext uri="{BB962C8B-B14F-4D97-AF65-F5344CB8AC3E}">
         <p14:creationId xmlns:p14="http://schemas.microsoft.com/office/powerpoint/2010/main" val="2197371786"/>
+      </p:ext>
+    </p:extLst>
+  </p:cSld>
+  <p:clrMapOvr>
+    <a:masterClrMapping/>
+  </p:clrMapOvr>
+</p:sld>
+</file>
+
+<file path=ppt/slides/slide2.xml><?xml version="1.0" encoding="utf-8"?>
+<p:sld xmlns:a="http://schemas.openxmlformats.org/drawingml/2006/main" xmlns:r="http://schemas.openxmlformats.org/officeDocument/2006/relationships" xmlns:p="http://schemas.openxmlformats.org/presentationml/2006/main">
+  <p:cSld>
+    <p:spTree>
+      <p:nvGrpSpPr>
+        <p:cNvPr id="1" name=""/>
+        <p:cNvGrpSpPr/>
+        <p:nvPr/>
+      </p:nvGrpSpPr>
+      <p:grpSpPr>
+        <a:xfrm>
+          <a:off x="0" y="0"/>
+          <a:ext cx="0" cy="0"/>
+          <a:chOff x="0" y="0"/>
+          <a:chExt cx="0" cy="0"/>
+        </a:xfrm>
+      </p:grpSpPr>
+      <p:cxnSp>
+        <p:nvCxnSpPr>
+          <p:cNvPr id="3" name="Straight Connector 2">
+            <a:extLst>
+              <a:ext uri="{FF2B5EF4-FFF2-40B4-BE49-F238E27FC236}">
+                <a16:creationId xmlns:a16="http://schemas.microsoft.com/office/drawing/2014/main" id="{C39E29F5-E1A2-AFCA-7BE3-1A7B40F2158D}"/>
+              </a:ext>
+            </a:extLst>
+          </p:cNvPr>
+          <p:cNvCxnSpPr/>
+          <p:nvPr/>
+        </p:nvCxnSpPr>
+        <p:spPr>
+          <a:xfrm>
+            <a:off x="5886450" y="1300163"/>
+            <a:ext cx="3571875" cy="0"/>
+          </a:xfrm>
+          <a:prstGeom prst="line">
+            <a:avLst/>
+          </a:prstGeom>
+          <a:ln w="38100"/>
+        </p:spPr>
+        <p:style>
+          <a:lnRef idx="3">
+            <a:schemeClr val="dk1"/>
+          </a:lnRef>
+          <a:fillRef idx="0">
+            <a:schemeClr val="dk1"/>
+          </a:fillRef>
+          <a:effectRef idx="2">
+            <a:schemeClr val="dk1"/>
+          </a:effectRef>
+          <a:fontRef idx="minor">
+            <a:schemeClr val="tx1"/>
+          </a:fontRef>
+        </p:style>
+      </p:cxnSp>
+      <p:cxnSp>
+        <p:nvCxnSpPr>
+          <p:cNvPr id="4" name="Straight Connector 3">
+            <a:extLst>
+              <a:ext uri="{FF2B5EF4-FFF2-40B4-BE49-F238E27FC236}">
+                <a16:creationId xmlns:a16="http://schemas.microsoft.com/office/drawing/2014/main" id="{F9CAEBF7-F9E4-3769-7F88-A60F1102A148}"/>
+              </a:ext>
+            </a:extLst>
+          </p:cNvPr>
+          <p:cNvCxnSpPr>
+            <a:cxnSpLocks/>
+          </p:cNvCxnSpPr>
+          <p:nvPr/>
+        </p:nvCxnSpPr>
+        <p:spPr>
+          <a:xfrm flipV="1">
+            <a:off x="3457575" y="1300163"/>
+            <a:ext cx="2443163" cy="2128837"/>
+          </a:xfrm>
+          <a:prstGeom prst="line">
+            <a:avLst/>
+          </a:prstGeom>
+          <a:ln w="38100"/>
+        </p:spPr>
+        <p:style>
+          <a:lnRef idx="3">
+            <a:schemeClr val="dk1"/>
+          </a:lnRef>
+          <a:fillRef idx="0">
+            <a:schemeClr val="dk1"/>
+          </a:fillRef>
+          <a:effectRef idx="2">
+            <a:schemeClr val="dk1"/>
+          </a:effectRef>
+          <a:fontRef idx="minor">
+            <a:schemeClr val="tx1"/>
+          </a:fontRef>
+        </p:style>
+      </p:cxnSp>
+      <p:sp>
+        <p:nvSpPr>
+          <p:cNvPr id="7" name="Rectangle 6">
+            <a:extLst>
+              <a:ext uri="{FF2B5EF4-FFF2-40B4-BE49-F238E27FC236}">
+                <a16:creationId xmlns:a16="http://schemas.microsoft.com/office/drawing/2014/main" id="{BABD3159-22B9-164D-A7B1-8060F784A724}"/>
+              </a:ext>
+            </a:extLst>
+          </p:cNvPr>
+          <p:cNvSpPr/>
+          <p:nvPr/>
+        </p:nvSpPr>
+        <p:spPr>
+          <a:xfrm>
+            <a:off x="6415088" y="1028695"/>
+            <a:ext cx="2528887" cy="242886"/>
+          </a:xfrm>
+          <a:prstGeom prst="rect">
+            <a:avLst/>
+          </a:prstGeom>
+        </p:spPr>
+        <p:style>
+          <a:lnRef idx="2">
+            <a:schemeClr val="accent1">
+              <a:shade val="15000"/>
+            </a:schemeClr>
+          </a:lnRef>
+          <a:fillRef idx="1">
+            <a:schemeClr val="accent1"/>
+          </a:fillRef>
+          <a:effectRef idx="0">
+            <a:schemeClr val="accent1"/>
+          </a:effectRef>
+          <a:fontRef idx="minor">
+            <a:schemeClr val="lt1"/>
+          </a:fontRef>
+        </p:style>
+        <p:txBody>
+          <a:bodyPr rtlCol="0" anchor="ctr"/>
+          <a:lstStyle/>
+          <a:p>
+            <a:pPr algn="ctr"/>
+            <a:endParaRPr lang="en-GB"/>
+          </a:p>
+        </p:txBody>
+      </p:sp>
+      <p:sp>
+        <p:nvSpPr>
+          <p:cNvPr id="8" name="Rectangle 7">
+            <a:extLst>
+              <a:ext uri="{FF2B5EF4-FFF2-40B4-BE49-F238E27FC236}">
+                <a16:creationId xmlns:a16="http://schemas.microsoft.com/office/drawing/2014/main" id="{0B757A1A-BBAF-D437-F706-BDA8D2FF3E6A}"/>
+              </a:ext>
+            </a:extLst>
+          </p:cNvPr>
+          <p:cNvSpPr/>
+          <p:nvPr/>
+        </p:nvSpPr>
+        <p:spPr>
+          <a:xfrm rot="19127671">
+            <a:off x="3326380" y="2145916"/>
+            <a:ext cx="2528887" cy="242886"/>
+          </a:xfrm>
+          <a:prstGeom prst="rect">
+            <a:avLst/>
+          </a:prstGeom>
+        </p:spPr>
+        <p:style>
+          <a:lnRef idx="2">
+            <a:schemeClr val="accent1">
+              <a:shade val="15000"/>
+            </a:schemeClr>
+          </a:lnRef>
+          <a:fillRef idx="1">
+            <a:schemeClr val="accent1"/>
+          </a:fillRef>
+          <a:effectRef idx="0">
+            <a:schemeClr val="accent1"/>
+          </a:effectRef>
+          <a:fontRef idx="minor">
+            <a:schemeClr val="lt1"/>
+          </a:fontRef>
+        </p:style>
+        <p:txBody>
+          <a:bodyPr rtlCol="0" anchor="ctr"/>
+          <a:lstStyle/>
+          <a:p>
+            <a:pPr algn="ctr"/>
+            <a:endParaRPr lang="en-GB"/>
+          </a:p>
+        </p:txBody>
+      </p:sp>
+      <p:cxnSp>
+        <p:nvCxnSpPr>
+          <p:cNvPr id="9" name="Straight Connector 8">
+            <a:extLst>
+              <a:ext uri="{FF2B5EF4-FFF2-40B4-BE49-F238E27FC236}">
+                <a16:creationId xmlns:a16="http://schemas.microsoft.com/office/drawing/2014/main" id="{0EFE27F4-154C-6FE2-585D-A8FB9DF0D7E6}"/>
+              </a:ext>
+            </a:extLst>
+          </p:cNvPr>
+          <p:cNvCxnSpPr/>
+          <p:nvPr/>
+        </p:nvCxnSpPr>
+        <p:spPr>
+          <a:xfrm>
+            <a:off x="5886450" y="1485899"/>
+            <a:ext cx="3571875" cy="0"/>
+          </a:xfrm>
+          <a:prstGeom prst="line">
+            <a:avLst/>
+          </a:prstGeom>
+          <a:ln/>
+        </p:spPr>
+        <p:style>
+          <a:lnRef idx="1">
+            <a:schemeClr val="accent2"/>
+          </a:lnRef>
+          <a:fillRef idx="0">
+            <a:schemeClr val="accent2"/>
+          </a:fillRef>
+          <a:effectRef idx="0">
+            <a:schemeClr val="accent2"/>
+          </a:effectRef>
+          <a:fontRef idx="minor">
+            <a:schemeClr val="tx1"/>
+          </a:fontRef>
+        </p:style>
+      </p:cxnSp>
+      <p:cxnSp>
+        <p:nvCxnSpPr>
+          <p:cNvPr id="10" name="Straight Connector 9">
+            <a:extLst>
+              <a:ext uri="{FF2B5EF4-FFF2-40B4-BE49-F238E27FC236}">
+                <a16:creationId xmlns:a16="http://schemas.microsoft.com/office/drawing/2014/main" id="{97CBB9E4-264A-5F5E-E341-6CDBE1FEF686}"/>
+              </a:ext>
+            </a:extLst>
+          </p:cNvPr>
+          <p:cNvCxnSpPr>
+            <a:cxnSpLocks/>
+          </p:cNvCxnSpPr>
+          <p:nvPr/>
+        </p:nvCxnSpPr>
+        <p:spPr>
+          <a:xfrm flipV="1">
+            <a:off x="3787724" y="1485899"/>
+            <a:ext cx="2098726" cy="1943101"/>
+          </a:xfrm>
+          <a:prstGeom prst="line">
+            <a:avLst/>
+          </a:prstGeom>
+          <a:ln/>
+        </p:spPr>
+        <p:style>
+          <a:lnRef idx="1">
+            <a:schemeClr val="accent2"/>
+          </a:lnRef>
+          <a:fillRef idx="0">
+            <a:schemeClr val="accent2"/>
+          </a:fillRef>
+          <a:effectRef idx="0">
+            <a:schemeClr val="accent2"/>
+          </a:effectRef>
+          <a:fontRef idx="minor">
+            <a:schemeClr val="tx1"/>
+          </a:fontRef>
+        </p:style>
+      </p:cxnSp>
+    </p:spTree>
+    <p:extLst>
+      <p:ext uri="{BB962C8B-B14F-4D97-AF65-F5344CB8AC3E}">
+        <p14:creationId xmlns:p14="http://schemas.microsoft.com/office/powerpoint/2010/main" val="3872686879"/>
       </p:ext>
     </p:extLst>
   </p:cSld>
